--- a/lectures/lecture-18/Lecture 18 - Lecture.pptx
+++ b/lectures/lecture-18/Lecture 18 - Lecture.pptx
@@ -147,6 +147,422 @@
     </p:ext>
   </p:extLst>
 </p:presentation>
+</file>
+
+<file path=ppt/ink/ink1.xml><?xml version="1.0" encoding="utf-8"?>
+<inkml:ink xmlns:inkml="http://www.w3.org/2003/InkML">
+  <inkml:definitions>
+    <inkml:context xml:id="ctx0">
+      <inkml:inkSource xml:id="inkSrc0">
+        <inkml:traceFormat>
+          <inkml:channel name="X" type="integer" min="-2.14748E9" max="2.14748E9" units="cm"/>
+          <inkml:channel name="Y" type="integer" min="-2.14748E9" max="2.14748E9" units="cm"/>
+          <inkml:channel name="F" type="integer" max="32767" units="dev"/>
+          <inkml:channel name="OA" type="integer" max="360" units="deg"/>
+          <inkml:channel name="OE" type="integer" max="90" units="deg"/>
+        </inkml:traceFormat>
+        <inkml:channelProperties>
+          <inkml:channelProperty channel="X" name="resolution" value="1000" units="1/cm"/>
+          <inkml:channelProperty channel="Y" name="resolution" value="1000" units="1/cm"/>
+          <inkml:channelProperty channel="F" name="resolution" value="0" units="1/dev"/>
+          <inkml:channelProperty channel="OA" name="resolution" value="1000" units="1/deg"/>
+          <inkml:channelProperty channel="OE" name="resolution" value="1000" units="1/deg"/>
+        </inkml:channelProperties>
+      </inkml:inkSource>
+      <inkml:timestamp xml:id="ts0" timeString="2021-07-27T16:30:54.227"/>
+    </inkml:context>
+    <inkml:brush xml:id="br0">
+      <inkml:brushProperty name="width" value="0.05" units="cm"/>
+      <inkml:brushProperty name="height" value="0.05" units="cm"/>
+      <inkml:brushProperty name="color" value="#FF0066"/>
+    </inkml:brush>
+  </inkml:definitions>
+  <inkml:trace contextRef="#ctx0" brushRef="#br0">181 11 3224 0 0,'-42'4'1127'0'0,"3"-1"6246"0"0,13-1-4711 0 0,21-2-2181 0 0,0 0 0 0 0,0 0 0 0 0,0 1 0 0 0,-9 1 0 0 0,-2 1 684 0 0,14-3-866 0 0,0 1 0 0 0,0-1 0 0 0,-1 0 0 0 0,1 1 0 0 0,0-1 0 0 0,0 1 0 0 0,0 0 0 0 0,-4 2 0 0 0,6-3 84 0 0,3 8 1662 0 0,0-5-1898 0 0,-1-1-1 0 0,1 1 1 0 0,0-1-1 0 0,0 0 1 0 0,0 0-1 0 0,1 0 1 0 0,-1-1-1 0 0,0 1 1 0 0,1-1-1 0 0,-1 1 1 0 0,1-1-1 0 0,6 1 1 0 0,7 1 458 0 0,27 1 0 0 0,-14-1-172 0 0,309 9 1599 0 0,-264-12-1800 0 0,336 6 637 0 0,-135 6-847 0 0,-14 15 622 0 0,-16-2 557 0 0,81-17-785 0 0,-317-8-388 0 0,58-4 238 0 0,111-20 0 0 0,100-44-1066 0 0,-193 54 800 0 0,-72 12 128 0 0,-1 0 0 0 0,1 0-1 0 0,0 2 1 0 0,0-1 0 0 0,18 3 0 0 0,9 0 73 0 0,-24-2-913 0 0,-17-1 738 0 0,0 0 0 0 0,0 1 0 0 0,0-1 0 0 0,0 1 0 0 0,0-1 0 0 0,-1 0 0 0 0,1 1 0 0 0,0-1 0 0 0,0 0 0 0 0,0 1 0 0 0,-1-1 0 0 0,1 1 0 0 0,0-1 0 0 0,-1 1 0 0 0,1-1 0 0 0,0 0 0 0 0,-2 0 0 0 0,2 0-150 0 0,-26-31-3513 0 0,17 25 2322 0 0</inkml:trace>
+</inkml:ink>
+</file>
+
+<file path=ppt/ink/ink10.xml><?xml version="1.0" encoding="utf-8"?>
+<inkml:ink xmlns:inkml="http://www.w3.org/2003/InkML">
+  <inkml:definitions>
+    <inkml:context xml:id="ctx0">
+      <inkml:inkSource xml:id="inkSrc0">
+        <inkml:traceFormat>
+          <inkml:channel name="X" type="integer" min="-2.14748E9" max="2.14748E9" units="cm"/>
+          <inkml:channel name="Y" type="integer" min="-2.14748E9" max="2.14748E9" units="cm"/>
+          <inkml:channel name="F" type="integer" max="32767" units="dev"/>
+          <inkml:channel name="OA" type="integer" max="360" units="deg"/>
+          <inkml:channel name="OE" type="integer" max="90" units="deg"/>
+        </inkml:traceFormat>
+        <inkml:channelProperties>
+          <inkml:channelProperty channel="X" name="resolution" value="1000" units="1/cm"/>
+          <inkml:channelProperty channel="Y" name="resolution" value="1000" units="1/cm"/>
+          <inkml:channelProperty channel="F" name="resolution" value="0" units="1/dev"/>
+          <inkml:channelProperty channel="OA" name="resolution" value="1000" units="1/deg"/>
+          <inkml:channelProperty channel="OE" name="resolution" value="1000" units="1/deg"/>
+        </inkml:channelProperties>
+      </inkml:inkSource>
+      <inkml:timestamp xml:id="ts0" timeString="2021-07-27T16:31:19.498"/>
+    </inkml:context>
+    <inkml:brush xml:id="br0">
+      <inkml:brushProperty name="width" value="0.05" units="cm"/>
+      <inkml:brushProperty name="height" value="0.05" units="cm"/>
+      <inkml:brushProperty name="color" value="#FF0066"/>
+    </inkml:brush>
+  </inkml:definitions>
+  <inkml:trace contextRef="#ctx0" brushRef="#br0">74 159 13824 0 0,'-11'-3'778'0'0,"-28"-8"21"0"0,15 2 5679 0 0,39 10-5010 0 0,21 4-694 0 0,1-2-1 0 0,54-1 0 0 0,-66-3-873 0 0,117 6 64 0 0,37-2 1003 0 0,-174-3-863 0 0,254 5 745 0 0,-246-4-798 0 0,0 1-1 0 0,0 0 1 0 0,-1 1-1 0 0,1 0 1 0 0,-1 1-1 0 0,0 1 1 0 0,21 10-1 0 0,-28-8 399 0 0,-5-7-441 0 0,0 1 1 0 0,0-1-1 0 0,0 0 0 0 0,0 0 1 0 0,0 0-1 0 0,0 0 0 0 0,-1 0 1 0 0,1 1-1 0 0,0-1 0 0 0,0 0 1 0 0,0 0-1 0 0,0 0 0 0 0,0 0 1 0 0,-1 0-1 0 0,1 0 0 0 0,0 0 1 0 0,0 0-1 0 0,0 0 0 0 0,-1 1 1 0 0,1-1-1 0 0,0 0 0 0 0,0 0 1 0 0,0 0-1 0 0,-1 0 0 0 0,1 0 1 0 0,0 0-1 0 0,0 0 0 0 0,0 0 1 0 0,-1 0-1 0 0,1-1 0 0 0,0 1 1 0 0,0 0-1 0 0,0 0 0 0 0,0 0 1 0 0,-1 0-1 0 0,1 0 0 0 0,0 0 1 0 0,0 0-1 0 0,0 0 0 0 0,0 0 1 0 0,-1-1-1 0 0,1 1 0 0 0,0 0 1 0 0,0 0-1 0 0,0 0 0 0 0,0 0 1 0 0,0 0-1 0 0,-1-1 0 0 0,-21-12 229 0 0,1-2 0 0 0,-35-30 0 0 0,21 16-133 0 0,-39-36 152 0 0,70 61-196 0 0,-1 0 0 0 0,1 0-1 0 0,0-1 1 0 0,-4-5 0 0 0,31 7 9 0 0,136-1-413 0 0,-110 5 283 0 0,-1 2 231 0 0,21 1 186 0 0,-69-4-347 0 0,0 0-1 0 0,0 0 0 0 0,1 0 1 0 0,-1 0-1 0 0,0 1 0 0 0,0-1 1 0 0,0 0-1 0 0,1 0 0 0 0,-1 0 0 0 0,0 0 1 0 0,0 0-1 0 0,0 1 0 0 0,1-1 1 0 0,-1 0-1 0 0,0 0 0 0 0,0 0 1 0 0,0 1-1 0 0,0-1 0 0 0,0 0 1 0 0,1 0-1 0 0,-1 0 0 0 0,0 1 0 0 0,0-1 1 0 0,0 0-1 0 0,0 0 0 0 0,0 1 1 0 0,0-1-1 0 0,0 0 0 0 0,0 0 1 0 0,0 1-1 0 0,0-1 0 0 0,0 0 1 0 0,0 0-1 0 0,0 1 0 0 0,0-1 0 0 0,0 0 1 0 0,0 0-1 0 0,0 1 0 0 0,0-1 1 0 0,-1 0-1 0 0,-2 10 134 0 0,-1-4-49 0 0,-1 0 1 0 0,0-1-1 0 0,-10 9 1 0 0,-10 10 88 0 0,14-10-168 0 0,-199 229 348 0 0,186-222-761 0 0,19-16 109 0 0,-1-1 1 0 0,1 1-1 0 0,0 0 0 0 0,0 1 1 0 0,0-1-1 0 0,1 1 0 0 0,0 0 1 0 0,0 0-1 0 0,-4 8 0 0 0,5 2-1774 0 0</inkml:trace>
+</inkml:ink>
+</file>
+
+<file path=ppt/ink/ink11.xml><?xml version="1.0" encoding="utf-8"?>
+<inkml:ink xmlns:inkml="http://www.w3.org/2003/InkML">
+  <inkml:definitions>
+    <inkml:context xml:id="ctx0">
+      <inkml:inkSource xml:id="inkSrc0">
+        <inkml:traceFormat>
+          <inkml:channel name="X" type="integer" min="-2.14748E9" max="2.14748E9" units="cm"/>
+          <inkml:channel name="Y" type="integer" min="-2.14748E9" max="2.14748E9" units="cm"/>
+          <inkml:channel name="F" type="integer" max="32767" units="dev"/>
+          <inkml:channel name="OA" type="integer" max="360" units="deg"/>
+          <inkml:channel name="OE" type="integer" max="90" units="deg"/>
+        </inkml:traceFormat>
+        <inkml:channelProperties>
+          <inkml:channelProperty channel="X" name="resolution" value="1000" units="1/cm"/>
+          <inkml:channelProperty channel="Y" name="resolution" value="1000" units="1/cm"/>
+          <inkml:channelProperty channel="F" name="resolution" value="0" units="1/dev"/>
+          <inkml:channelProperty channel="OA" name="resolution" value="1000" units="1/deg"/>
+          <inkml:channelProperty channel="OE" name="resolution" value="1000" units="1/deg"/>
+        </inkml:channelProperties>
+      </inkml:inkSource>
+      <inkml:timestamp xml:id="ts0" timeString="2021-07-27T16:31:22.167"/>
+    </inkml:context>
+    <inkml:brush xml:id="br0">
+      <inkml:brushProperty name="width" value="0.05" units="cm"/>
+      <inkml:brushProperty name="height" value="0.05" units="cm"/>
+      <inkml:brushProperty name="color" value="#FF0066"/>
+    </inkml:brush>
+  </inkml:definitions>
+  <inkml:trace contextRef="#ctx0" brushRef="#br0">227 136 1840 0 0,'3'-12'-214'0'0,"-6"-10"6624"0"0,-4 0 708 0 0,2 10-6075 0 0,0 3 253 0 0,5 8-1144 0 0,-1 0 0 0 0,0 0 1 0 0,1 0-1 0 0,-1 0 0 0 0,1 0 0 0 0,-1 0 0 0 0,1 0 1 0 0,0 0-1 0 0,-1 0 0 0 0,1-1 0 0 0,0 1 0 0 0,0-2 0 0 0,-7-40 4672 0 0,7 45-4590 0 0,-3 4-129 0 0,-4 8-18 0 0,0 0 1 0 0,1 0-1 0 0,-4 18 0 0 0,-69 294-108 0 0,40-156 377 0 0,2-34 1320 0 0,34-122-1127 0 0,3-13-293 0 0,-2-7 221 0 0,1-25-217 0 0,1 1 0 0 0,1 0 0 0 0,7-45 0 0 0,2-28-98 0 0,-7 70-69 0 0,-2 21-22 0 0,0-1 0 0 0,0 1 1 0 0,-1-1-1 0 0,-3-16 0 0 0,3 29-66 0 0,0-1 1 0 0,0 1-1 0 0,0 0 1 0 0,0-1-1 0 0,0 1 0 0 0,0 0 1 0 0,0-1-1 0 0,0 1 1 0 0,0 0-1 0 0,0-1 0 0 0,0 1 1 0 0,0 0-1 0 0,0-1 1 0 0,-1 1-1 0 0,1 0 0 0 0,0 0 1 0 0,0-1-1 0 0,0 1 1 0 0,0 0-1 0 0,-1 0 0 0 0,1-1 1 0 0,0 1-1 0 0,0 0 1 0 0,-1 0-1 0 0,1-1 0 0 0,0 1 1 0 0,0 0-1 0 0,-1 0 1 0 0,1 0-1 0 0,-5 7 67 0 0,-2 16 1 0 0,4-5-63 0 0,0 1-1 0 0,1 0 1 0 0,1-1 0 0 0,0 1 0 0 0,2 0-1 0 0,0 0 1 0 0,1-1 0 0 0,9 35 0 0 0,-10-50 2 0 0,-1-1-1 0 0,1 1 1 0 0,0 0 0 0 0,1-1 0 0 0,-1 1-1 0 0,0-1 1 0 0,1 1 0 0 0,-1-1 0 0 0,1 1-1 0 0,0-1 1 0 0,0 0 0 0 0,0 0 0 0 0,3 2-1 0 0,-4-3 2 0 0,0 0-1 0 0,1 0 1 0 0,-1-1-1 0 0,0 1 1 0 0,1-1-1 0 0,-1 1 1 0 0,1-1-1 0 0,-1 1 1 0 0,0-1-1 0 0,1 0 1 0 0,-1 0-1 0 0,1 0 1 0 0,-1 0-1 0 0,1 0 0 0 0,-1 0 1 0 0,1 0-1 0 0,-1 0 1 0 0,1-1-1 0 0,-1 1 1 0 0,0 0-1 0 0,1-1 1 0 0,-1 1-1 0 0,1-1 1 0 0,-1 0-1 0 0,0 0 1 0 0,3-1-1 0 0,6-6 37 0 0,-1 0 0 0 0,0 0 0 0 0,0-1 0 0 0,-1 0 0 0 0,0-1 0 0 0,9-13 0 0 0,-5 6 19 0 0,16-15 1 0 0,36-26-2998 0 0,-50 43 1346 0 0</inkml:trace>
+</inkml:ink>
+</file>
+
+<file path=ppt/ink/ink12.xml><?xml version="1.0" encoding="utf-8"?>
+<inkml:ink xmlns:inkml="http://www.w3.org/2003/InkML">
+  <inkml:definitions>
+    <inkml:context xml:id="ctx0">
+      <inkml:inkSource xml:id="inkSrc0">
+        <inkml:traceFormat>
+          <inkml:channel name="X" type="integer" min="-2.14748E9" max="2.14748E9" units="cm"/>
+          <inkml:channel name="Y" type="integer" min="-2.14748E9" max="2.14748E9" units="cm"/>
+          <inkml:channel name="F" type="integer" max="32767" units="dev"/>
+          <inkml:channel name="OA" type="integer" max="360" units="deg"/>
+          <inkml:channel name="OE" type="integer" max="90" units="deg"/>
+        </inkml:traceFormat>
+        <inkml:channelProperties>
+          <inkml:channelProperty channel="X" name="resolution" value="1000" units="1/cm"/>
+          <inkml:channelProperty channel="Y" name="resolution" value="1000" units="1/cm"/>
+          <inkml:channelProperty channel="F" name="resolution" value="0" units="1/dev"/>
+          <inkml:channelProperty channel="OA" name="resolution" value="1000" units="1/deg"/>
+          <inkml:channelProperty channel="OE" name="resolution" value="1000" units="1/deg"/>
+        </inkml:channelProperties>
+      </inkml:inkSource>
+      <inkml:timestamp xml:id="ts0" timeString="2021-07-27T16:31:23.035"/>
+    </inkml:context>
+    <inkml:brush xml:id="br0">
+      <inkml:brushProperty name="width" value="0.05" units="cm"/>
+      <inkml:brushProperty name="height" value="0.05" units="cm"/>
+      <inkml:brushProperty name="color" value="#FF0066"/>
+    </inkml:brush>
+  </inkml:definitions>
+  <inkml:trace contextRef="#ctx0" brushRef="#br0">43 47 1840 0 0,'6'-13'609'0'0,"1"-20"20278"0"0,-6 50-19120 0 0,-11 157-88 0 0,3-81-1442 0 0,-20 192-38 0 0,22-226-170 0 0,-2 10-2127 0 0,7-63 404 0 0</inkml:trace>
+</inkml:ink>
+</file>
+
+<file path=ppt/ink/ink13.xml><?xml version="1.0" encoding="utf-8"?>
+<inkml:ink xmlns:inkml="http://www.w3.org/2003/InkML">
+  <inkml:definitions>
+    <inkml:context xml:id="ctx0">
+      <inkml:inkSource xml:id="inkSrc0">
+        <inkml:traceFormat>
+          <inkml:channel name="X" type="integer" min="-2.14748E9" max="2.14748E9" units="cm"/>
+          <inkml:channel name="Y" type="integer" min="-2.14748E9" max="2.14748E9" units="cm"/>
+          <inkml:channel name="F" type="integer" max="32767" units="dev"/>
+          <inkml:channel name="OA" type="integer" max="360" units="deg"/>
+          <inkml:channel name="OE" type="integer" max="90" units="deg"/>
+        </inkml:traceFormat>
+        <inkml:channelProperties>
+          <inkml:channelProperty channel="X" name="resolution" value="1000" units="1/cm"/>
+          <inkml:channelProperty channel="Y" name="resolution" value="1000" units="1/cm"/>
+          <inkml:channelProperty channel="F" name="resolution" value="0" units="1/dev"/>
+          <inkml:channelProperty channel="OA" name="resolution" value="1000" units="1/deg"/>
+          <inkml:channelProperty channel="OE" name="resolution" value="1000" units="1/deg"/>
+        </inkml:channelProperties>
+      </inkml:inkSource>
+      <inkml:timestamp xml:id="ts0" timeString="2021-07-27T16:31:23.394"/>
+    </inkml:context>
+    <inkml:brush xml:id="br0">
+      <inkml:brushProperty name="width" value="0.05" units="cm"/>
+      <inkml:brushProperty name="height" value="0.05" units="cm"/>
+      <inkml:brushProperty name="color" value="#FF0066"/>
+    </inkml:brush>
+  </inkml:definitions>
+  <inkml:trace contextRef="#ctx0" brushRef="#br0">7 238 14280 0 0,'0'0'1102'0'0,"-6"-6"-480"0"0,6 3-48 0 0,1 0 0 0 0,-1 0 0 0 0,1 0 0 0 0,0 0 0 0 0,0 0 1 0 0,0 0-1 0 0,0 0 0 0 0,0 0 0 0 0,3-3 0 0 0,18-27 683 0 0,-16 24-844 0 0,88-112 2755 0 0,-91 117-3078 0 0,0 0 0 0 0,1 1-1 0 0,0-1 1 0 0,0 1 0 0 0,0 0 0 0 0,0 0 0 0 0,7-3-1 0 0,-10 5-77 0 0,1 0-1 0 0,-1 0 0 0 0,1 1 1 0 0,-1-1-1 0 0,1 1 0 0 0,-1-1 1 0 0,1 1-1 0 0,0 0 0 0 0,-1-1 1 0 0,1 1-1 0 0,0 0 0 0 0,-1 0 1 0 0,1 0-1 0 0,0 0 0 0 0,-1 1 1 0 0,1-1-1 0 0,-1 0 0 0 0,1 1 1 0 0,0-1-1 0 0,-1 1 0 0 0,1-1 1 0 0,-1 1-1 0 0,1 0 0 0 0,-1 0 1 0 0,0 0-1 0 0,3 1 0 0 0,1 4-11 0 0,0 0 0 0 0,0 1 0 0 0,-1-1 0 0 0,0 1 0 0 0,0 0 0 0 0,5 15 0 0 0,-1-4 0 0 0,-1-2-28 0 0,8 25 1 0 0,-11-25 102 0 0,1-1-1 0 0,9 16 1 0 0,-12-26-344 0 0,1-1 0 0 0,0 1-1 0 0,0-1 1 0 0,0 0 0 0 0,0 0-1 0 0,1 0 1 0 0,0 0 0 0 0,0 0 0 0 0,0-1-1 0 0,6 5 1 0 0,-1-3-746 0 0</inkml:trace>
+</inkml:ink>
+</file>
+
+<file path=ppt/ink/ink2.xml><?xml version="1.0" encoding="utf-8"?>
+<inkml:ink xmlns:inkml="http://www.w3.org/2003/InkML">
+  <inkml:definitions>
+    <inkml:context xml:id="ctx0">
+      <inkml:inkSource xml:id="inkSrc0">
+        <inkml:traceFormat>
+          <inkml:channel name="X" type="integer" min="-2.14748E9" max="2.14748E9" units="cm"/>
+          <inkml:channel name="Y" type="integer" min="-2.14748E9" max="2.14748E9" units="cm"/>
+          <inkml:channel name="F" type="integer" max="32767" units="dev"/>
+          <inkml:channel name="OA" type="integer" max="360" units="deg"/>
+          <inkml:channel name="OE" type="integer" max="90" units="deg"/>
+        </inkml:traceFormat>
+        <inkml:channelProperties>
+          <inkml:channelProperty channel="X" name="resolution" value="1000" units="1/cm"/>
+          <inkml:channelProperty channel="Y" name="resolution" value="1000" units="1/cm"/>
+          <inkml:channelProperty channel="F" name="resolution" value="0" units="1/dev"/>
+          <inkml:channelProperty channel="OA" name="resolution" value="1000" units="1/deg"/>
+          <inkml:channelProperty channel="OE" name="resolution" value="1000" units="1/deg"/>
+        </inkml:channelProperties>
+      </inkml:inkSource>
+      <inkml:timestamp xml:id="ts0" timeString="2021-07-27T16:30:57.847"/>
+    </inkml:context>
+    <inkml:brush xml:id="br0">
+      <inkml:brushProperty name="width" value="0.05" units="cm"/>
+      <inkml:brushProperty name="height" value="0.05" units="cm"/>
+      <inkml:brushProperty name="color" value="#FF0066"/>
+    </inkml:brush>
+  </inkml:definitions>
+  <inkml:trace contextRef="#ctx0" brushRef="#br0">20 31 6448 0 0,'0'0'585'0'0,"-1"0"-485"0"0,-8 0 3924 0 0,2-2 355 0 0,6 1-4205 0 0,1 1 1 0 0,0-1 0 0 0,-1 0 0 0 0,1 0 0 0 0,0 0 0 0 0,0 0-1 0 0,-1 0 1 0 0,1 1 0 0 0,0-1 0 0 0,0 0 0 0 0,0 0 0 0 0,0 0 0 0 0,0 0-1 0 0,0 0 1 0 0,1 0 0 0 0,-1 0 0 0 0,0 0 0 0 0,0 1 0 0 0,1-1 0 0 0,0-2 695 0 0,16-3 246 0 0,13 5-333 0 0,-20 0-410 0 0,1 1 0 0 0,0 0 1 0 0,12 2-1 0 0,21 3 101 0 0,-28-4-506 0 0,1 1 0 0 0,18 5 0 0 0,-15-3 409 0 0,40 4 0 0 0,-11-2-149 0 0,-12-2-3 0 0,0-1 0 0 0,38-3 0 0 0,42 3-4 0 0,-77-1-133 0 0,0-2 0 0 0,1-1 0 0 0,-1-3 0 0 0,55-11 0 0 0,-56 10 107 0 0,1 1 1 0 0,43 1-1 0 0,80 10 228 0 0,-56-1-302 0 0,-13 2 262 0 0,-34-2-292 0 0,37 3-337 0 0,138 7 435 0 0,-89-10 172 0 0,0 0-34 0 0,215 10 441 0 0,-280-9-560 0 0,87 11 698 0 0,-149-14-773 0 0,25 2 305 0 0,-37-4 360 0 0,-18-12-636 0 0,-1 1-79 0 0,-5-7-154 0 0,9 10-450 0 0,8 5 436 0 0,-1 1-1 0 0,1 0 1 0 0,-1 0-1 0 0,1-1 1 0 0,-1 1 0 0 0,1 0-1 0 0,-1-1 1 0 0,1 1-1 0 0,-1-1 1 0 0,1 1 0 0 0,0 0-1 0 0,-1-1 1 0 0,1 1 0 0 0,-1-1-1 0 0,1 1 1 0 0,0-1-1 0 0,0 1 1 0 0,-1-1 0 0 0,1 0-1 0 0,0 1 1 0 0,0-1 0 0 0,0 1-1 0 0,0-1 1 0 0,-1 1-1 0 0,1-1 1 0 0,0 0 0 0 0,0 1-1 0 0,0-1 1 0 0,0 1 0 0 0,1-2-1 0 0,-1-10-2926 0 0,0 9 1476 0 0</inkml:trace>
+</inkml:ink>
+</file>
+
+<file path=ppt/ink/ink3.xml><?xml version="1.0" encoding="utf-8"?>
+<inkml:ink xmlns:inkml="http://www.w3.org/2003/InkML">
+  <inkml:definitions>
+    <inkml:context xml:id="ctx0">
+      <inkml:inkSource xml:id="inkSrc0">
+        <inkml:traceFormat>
+          <inkml:channel name="X" type="integer" min="-2.14748E9" max="2.14748E9" units="cm"/>
+          <inkml:channel name="Y" type="integer" min="-2.14748E9" max="2.14748E9" units="cm"/>
+          <inkml:channel name="F" type="integer" max="32767" units="dev"/>
+          <inkml:channel name="OA" type="integer" max="360" units="deg"/>
+          <inkml:channel name="OE" type="integer" max="90" units="deg"/>
+        </inkml:traceFormat>
+        <inkml:channelProperties>
+          <inkml:channelProperty channel="X" name="resolution" value="1000" units="1/cm"/>
+          <inkml:channelProperty channel="Y" name="resolution" value="1000" units="1/cm"/>
+          <inkml:channelProperty channel="F" name="resolution" value="0" units="1/dev"/>
+          <inkml:channelProperty channel="OA" name="resolution" value="1000" units="1/deg"/>
+          <inkml:channelProperty channel="OE" name="resolution" value="1000" units="1/deg"/>
+        </inkml:channelProperties>
+      </inkml:inkSource>
+      <inkml:timestamp xml:id="ts0" timeString="2021-07-27T16:31:00.232"/>
+    </inkml:context>
+    <inkml:brush xml:id="br0">
+      <inkml:brushProperty name="width" value="0.05" units="cm"/>
+      <inkml:brushProperty name="height" value="0.05" units="cm"/>
+      <inkml:brushProperty name="color" value="#FF0066"/>
+    </inkml:brush>
+  </inkml:definitions>
+  <inkml:trace contextRef="#ctx0" brushRef="#br0">35 278 15664 0 0,'-19'-3'1571'0'0,"17"4"-1480"0"0,1-1-83 0 0,1 0 0 0 0,-1 0 0 0 0,1 0 1 0 0,-1 0-1 0 0,1 0 0 0 0,-1 0 0 0 0,1 0 0 0 0,-1-1 0 0 0,1 1 1 0 0,-1 0-1 0 0,1 0 0 0 0,-1 0 0 0 0,1 0 0 0 0,-1-1 1 0 0,1 1-1 0 0,-1 0 0 0 0,1-1 0 0 0,0 1 0 0 0,-1 0 0 0 0,1 0 1 0 0,0-1-1 0 0,-1 1 0 0 0,0-2 720 0 0,0-4 1566 0 0,1 5-2230 0 0,0 1 0 0 0,0 0 0 0 0,0-1 0 0 0,0 1 0 0 0,0 0 0 0 0,0-1 0 0 0,0 1 0 0 0,0-1 0 0 0,0 1 0 0 0,0 0 0 0 0,0-1 0 0 0,0 1 0 0 0,0 0 0 0 0,0-1 0 0 0,0 1 0 0 0,0-1 0 0 0,1 1 0 0 0,-1 0 0 0 0,0-1 0 0 0,0 1 0 0 0,0 0 0 0 0,1-1 0 0 0,-1 1 0 0 0,0 0 0 0 0,0 0 0 0 0,1-1 0 0 0,-1 1 0 0 0,0 0-1 0 0,0 0 1 0 0,1-1 0 0 0,-1 1 0 0 0,0 0 0 0 0,1 0 0 0 0,-1 0 0 0 0,1 0 0 0 0,-1-1 0 0 0,8-3 198 0 0,0 0-1 0 0,0 0 0 0 0,0 1 1 0 0,1 0-1 0 0,-1 0 0 0 0,1 1 0 0 0,-1 0 1 0 0,11-1-1 0 0,10 0 136 0 0,34 2 1 0 0,-45 1 50 0 0,154 7 1203 0 0,-2-1-866 0 0,-68-3-418 0 0,-55 0-24 0 0,0-3 1 0 0,62-7-1 0 0,-109 7-334 0 0,0 1-1 0 0,0-1 1 0 0,0 0 0 0 0,1 0-1 0 0,-1 0 1 0 0,0 0 0 0 0,0 0-1 0 0,0 0 1 0 0,1 0 0 0 0,-1-1-1 0 0,0 1 1 0 0,0 0 0 0 0,0 0-1 0 0,0 0 1 0 0,1 0-1 0 0,-1 0 1 0 0,0 0 0 0 0,0 0-1 0 0,0 0 1 0 0,0 0 0 0 0,1 0-1 0 0,-1-1 1 0 0,0 1 0 0 0,0 0-1 0 0,0 0 1 0 0,0 0 0 0 0,0 0-1 0 0,0 0 1 0 0,0-1 0 0 0,1 1-1 0 0,-1 0 1 0 0,0 0 0 0 0,0 0-1 0 0,0 0 1 0 0,0-1-1 0 0,0 1 1 0 0,0 0 0 0 0,0 0-1 0 0,0 0 1 0 0,0 0 0 0 0,0-1-1 0 0,0 1 1 0 0,0 0 0 0 0,0 0-1 0 0,-7-9 138 0 0,-13-5-21 0 0,-27-9 226 0 0,-75-28 1 0 0,-14-5-364 0 0,-9-9-299 0 0,140 63 299 0 0,-1 1 0 0 0,0-1 1 0 0,1 1-1 0 0,-1-1 0 0 0,-11 1 0 0 0,43 14-41 0 0,-11-8 87 0 0,1-1 1 0 0,0-1-1 0 0,-1-1 1 0 0,1 0-1 0 0,0-1 0 0 0,1-1 1 0 0,-1 0-1 0 0,0-1 1 0 0,31-6-1 0 0,-20 1-5 0 0,0 2 0 0 0,0 1 0 0 0,0 1 0 0 0,0 1-1 0 0,35 4 1 0 0,-59-2-15 0 0,1-1 0 0 0,0 1 0 0 0,-1-1 0 0 0,1 1 0 0 0,-1 1 0 0 0,1-1 0 0 0,-1 0 0 0 0,1 1 0 0 0,-1 0 0 0 0,0-1 0 0 0,0 1 0 0 0,0 1 0 0 0,4 2-1 0 0,-6-4-2 0 0,1 1 0 0 0,-1 0 0 0 0,0 0 0 0 0,0 0-1 0 0,0 0 1 0 0,0 0 0 0 0,0 0 0 0 0,0 0-1 0 0,0 0 1 0 0,0 0 0 0 0,-1 1 0 0 0,0-1-1 0 0,1 0 1 0 0,-1 0 0 0 0,0 1 0 0 0,0-1-1 0 0,0 0 1 0 0,0 0 0 0 0,0 1 0 0 0,-1-1 0 0 0,1 0-1 0 0,-2 3 1 0 0,0 5-24 0 0,-2-1 0 0 0,1 1 0 0 0,-2-1 1 0 0,1 0-1 0 0,-1-1 0 0 0,0 1 0 0 0,-1-1 0 0 0,0 0 0 0 0,0 0 0 0 0,-14 12 0 0 0,-7 4-112 0 0,-50 34 0 0 0,38-31 93 0 0,-99 92 193 0 0,50-40 17 0 0,-10 2-1881 0 0,89-72 271 0 0,6-1-316 0 0</inkml:trace>
+</inkml:ink>
+</file>
+
+<file path=ppt/ink/ink4.xml><?xml version="1.0" encoding="utf-8"?>
+<inkml:ink xmlns:inkml="http://www.w3.org/2003/InkML">
+  <inkml:definitions>
+    <inkml:context xml:id="ctx0">
+      <inkml:inkSource xml:id="inkSrc0">
+        <inkml:traceFormat>
+          <inkml:channel name="X" type="integer" min="-2.14748E9" max="2.14748E9" units="cm"/>
+          <inkml:channel name="Y" type="integer" min="-2.14748E9" max="2.14748E9" units="cm"/>
+          <inkml:channel name="F" type="integer" max="32767" units="dev"/>
+          <inkml:channel name="OA" type="integer" max="360" units="deg"/>
+          <inkml:channel name="OE" type="integer" max="90" units="deg"/>
+        </inkml:traceFormat>
+        <inkml:channelProperties>
+          <inkml:channelProperty channel="X" name="resolution" value="1000" units="1/cm"/>
+          <inkml:channelProperty channel="Y" name="resolution" value="1000" units="1/cm"/>
+          <inkml:channelProperty channel="F" name="resolution" value="0" units="1/dev"/>
+          <inkml:channelProperty channel="OA" name="resolution" value="1000" units="1/deg"/>
+          <inkml:channelProperty channel="OE" name="resolution" value="1000" units="1/deg"/>
+        </inkml:channelProperties>
+      </inkml:inkSource>
+      <inkml:timestamp xml:id="ts0" timeString="2021-07-27T16:31:03.999"/>
+    </inkml:context>
+    <inkml:brush xml:id="br0">
+      <inkml:brushProperty name="width" value="0.05" units="cm"/>
+      <inkml:brushProperty name="height" value="0.05" units="cm"/>
+      <inkml:brushProperty name="color" value="#FF0066"/>
+    </inkml:brush>
+  </inkml:definitions>
+  <inkml:trace contextRef="#ctx0" brushRef="#br0">23 59 13824 0 0,'-20'-27'3251'0'0,"17"10"385"0"0,3 16-3501 0 0,0 1 0 0 0,0-1 0 0 0,0 1 0 0 0,1-1 0 0 0,-1 1 0 0 0,0-1 0 0 0,0 1 0 0 0,0 0 0 0 0,0-1-1 0 0,1 1 1 0 0,-1-1 0 0 0,0 1 0 0 0,0-1 0 0 0,1 1 0 0 0,-1 0 0 0 0,0-1 0 0 0,1 1 0 0 0,-1-1 0 0 0,0 1-1 0 0,1 0 1 0 0,-1-1 0 0 0,1 1 0 0 0,-1 0 0 0 0,0 0 0 0 0,1-1 0 0 0,0 1 0 0 0,16-3 1045 0 0,17 6-393 0 0,-8 3 61 0 0,29 11 0 0 0,-32-9-421 0 0,43 8 0 0 0,-23-9-51 0 0,0-2 0 0 0,1-2-1 0 0,0-2 1 0 0,50-6 0 0 0,35-5 168 0 0,0 6 0 0 0,140 13 0 0 0,-172 2-417 0 0,-29-2 8 0 0,-29-4-96 0 0,51 3 45 0 0,-89-8-152 0 0,-1 0 0 0 0,1 0 0 0 0,-1 0 0 0 0,1 0 0 0 0,-1 0 0 0 0,1 0 0 0 0,-1 0 0 0 0,1 0 0 0 0,-1 0 0 0 0,1 0 0 0 0,-1 0 0 0 0,1 0 0 0 0,-1 0 0 0 0,1-1 0 0 0,-1 1 0 0 0,1 0 0 0 0,-1 0 0 0 0,1 0 0 0 0,-1-1 0 0 0,1 1 0 0 0,-1 0 0 0 0,0-1 0 0 0,1 1 0 0 0,-1 0 0 0 0,1-1 0 0 0,-1 1 0 0 0,0 0 0 0 0,1-1 0 0 0,-1 1 0 0 0,0-1 0 0 0,0 1 1 0 0,1-1-1 0 0,-1 1 0 0 0,0-1 0 0 0,0 1 0 0 0,0-1 0 0 0,1 1 0 0 0,-1-1 0 0 0,0 1 0 0 0,0-1 0 0 0,2-6-1364 0 0</inkml:trace>
+</inkml:ink>
+</file>
+
+<file path=ppt/ink/ink5.xml><?xml version="1.0" encoding="utf-8"?>
+<inkml:ink xmlns:inkml="http://www.w3.org/2003/InkML">
+  <inkml:definitions>
+    <inkml:context xml:id="ctx0">
+      <inkml:inkSource xml:id="inkSrc0">
+        <inkml:traceFormat>
+          <inkml:channel name="X" type="integer" min="-2.14748E9" max="2.14748E9" units="cm"/>
+          <inkml:channel name="Y" type="integer" min="-2.14748E9" max="2.14748E9" units="cm"/>
+          <inkml:channel name="F" type="integer" max="32767" units="dev"/>
+          <inkml:channel name="OA" type="integer" max="360" units="deg"/>
+          <inkml:channel name="OE" type="integer" max="90" units="deg"/>
+        </inkml:traceFormat>
+        <inkml:channelProperties>
+          <inkml:channelProperty channel="X" name="resolution" value="1000" units="1/cm"/>
+          <inkml:channelProperty channel="Y" name="resolution" value="1000" units="1/cm"/>
+          <inkml:channelProperty channel="F" name="resolution" value="0" units="1/dev"/>
+          <inkml:channelProperty channel="OA" name="resolution" value="1000" units="1/deg"/>
+          <inkml:channelProperty channel="OE" name="resolution" value="1000" units="1/deg"/>
+        </inkml:channelProperties>
+      </inkml:inkSource>
+      <inkml:timestamp xml:id="ts0" timeString="2021-07-27T16:31:07.674"/>
+    </inkml:context>
+    <inkml:brush xml:id="br0">
+      <inkml:brushProperty name="width" value="0.05" units="cm"/>
+      <inkml:brushProperty name="height" value="0.05" units="cm"/>
+      <inkml:brushProperty name="color" value="#FF0066"/>
+    </inkml:brush>
+  </inkml:definitions>
+  <inkml:trace contextRef="#ctx0" brushRef="#br0">0 9 9440 0 0,'0'0'858'0'0,"2"5"3240"0"0,-2-1-2110 0 0,0-4-1846 0 0,0 1 0 0 0,0-1 0 0 0,0 0 0 0 0,0 1 0 0 0,0-1 0 0 0,0 1 0 0 0,0-1 1 0 0,0 1-1 0 0,0-1 0 0 0,1 0 0 0 0,-1 1 0 0 0,0-1 0 0 0,0 1 0 0 0,0-1 0 0 0,0 0 1 0 0,1 1-1 0 0,-1-1 0 0 0,0 0 0 0 0,0 1 0 0 0,1-1 0 0 0,-1 0 0 0 0,0 1 0 0 0,1-1 1 0 0,-1 0-1 0 0,0 0 0 0 0,1 1 0 0 0,0-1 0 0 0,13 1 4604 0 0,-5-1-5665 0 0,76-7 2664 0 0,-28 8-1503 0 0,49-2 276 0 0,-41-4-443 0 0,53-5 128 0 0,-84 6-81 0 0,1 2 1 0 0,0 1-1 0 0,-1 2 1 0 0,1 1 0 0 0,-1 2-1 0 0,0 1 1 0 0,57 17 0 0 0,-85-20-57 0 0,1 1 1 0 0,-1 0-1 0 0,8 5 0 0 0,-8-5-9 0 0,-1 1 0 0 0,1-1 0 0 0,12 4 0 0 0,12 0 328 0 0,61 8 0 0 0,-9-8 58 0 0,-67-6-385 0 0,0 0 0 0 0,1 2-1 0 0,-1-1 1 0 0,25 9-1 0 0,-25-5-35 0 0,1 0-1 0 0,0-1 0 0 0,0-1 1 0 0,0-1-1 0 0,1 0 0 0 0,23 0 1 0 0,98 2 155 0 0,-82-5-77 0 0,-27 1 24 0 0,35-4 1 0 0,-48 2-87 0 0,164-5 326 0 0,-22 4-217 0 0,-81 3-105 0 0,-12 1 14 0 0,60-3 160 0 0,-72-2-250 0 0,-1 2 0 0 0,1 3 0 0 0,91 15 0 0 0,-61-8 65 0 0,151-2 0 0 0,-196-7-29 0 0,71 4 18 0 0,55-2 35 0 0,0 0 86 0 0,-27 0-10 0 0,-62-4-55 0 0,76-2 82 0 0,-75 0 63 0 0,-1-2-1 0 0,112-25 1 0 0,-177 29-286 0 0,1 1 0 0 0,16-1 1 0 0,-7 3-3704 0 0</inkml:trace>
+</inkml:ink>
+</file>
+
+<file path=ppt/ink/ink6.xml><?xml version="1.0" encoding="utf-8"?>
+<inkml:ink xmlns:inkml="http://www.w3.org/2003/InkML">
+  <inkml:definitions>
+    <inkml:context xml:id="ctx0">
+      <inkml:inkSource xml:id="inkSrc0">
+        <inkml:traceFormat>
+          <inkml:channel name="X" type="integer" min="-2.14748E9" max="2.14748E9" units="cm"/>
+          <inkml:channel name="Y" type="integer" min="-2.14748E9" max="2.14748E9" units="cm"/>
+          <inkml:channel name="F" type="integer" max="32767" units="dev"/>
+          <inkml:channel name="OA" type="integer" max="360" units="deg"/>
+          <inkml:channel name="OE" type="integer" max="90" units="deg"/>
+        </inkml:traceFormat>
+        <inkml:channelProperties>
+          <inkml:channelProperty channel="X" name="resolution" value="1000" units="1/cm"/>
+          <inkml:channelProperty channel="Y" name="resolution" value="1000" units="1/cm"/>
+          <inkml:channelProperty channel="F" name="resolution" value="0" units="1/dev"/>
+          <inkml:channelProperty channel="OA" name="resolution" value="1000" units="1/deg"/>
+          <inkml:channelProperty channel="OE" name="resolution" value="1000" units="1/deg"/>
+        </inkml:channelProperties>
+      </inkml:inkSource>
+      <inkml:timestamp xml:id="ts0" timeString="2021-07-27T16:31:08.987"/>
+    </inkml:context>
+    <inkml:brush xml:id="br0">
+      <inkml:brushProperty name="width" value="0.05" units="cm"/>
+      <inkml:brushProperty name="height" value="0.05" units="cm"/>
+      <inkml:brushProperty name="color" value="#FF0066"/>
+    </inkml:brush>
+  </inkml:definitions>
+  <inkml:trace contextRef="#ctx0" brushRef="#br0">199 161 2760 0 0,'-5'1'140'0'0,"0"-1"-1"0"0,-1 1 1 0 0,1 1 0 0 0,0-1-1 0 0,-6 3 1 0 0,0 0 2943 0 0,-11 1 1509 0 0,8-3-4522 0 0,-24 1 0 0 0,2-6 343 0 0,35 3-91 0 0,0 0-1 0 0,0 0 0 0 0,0 0 1 0 0,0 0-1 0 0,0 0 0 0 0,1 0 1 0 0,-1 0-1 0 0,0 0 0 0 0,0 0 1 0 0,0-1-1 0 0,0 1 0 0 0,0 0 1 0 0,0-1-1 0 0,1 1 0 0 0,-1 0 0 0 0,0-1 1 0 0,0 1-1 0 0,0-1 0 0 0,1 0 1 0 0,-1 1-1 0 0,-1-2 867 0 0,-18-14 8266 0 0,20 15-9409 0 0,0 0 0 0 0,0 0-1 0 0,0 0 1 0 0,0 0-1 0 0,0 0 1 0 0,1 0-1 0 0,-1 0 1 0 0,0 0 0 0 0,1 0-1 0 0,-1 0 1 0 0,0 0-1 0 0,1 1 1 0 0,-1-1-1 0 0,1 0 1 0 0,-1 0-1 0 0,1 0 1 0 0,0 1 0 0 0,-1-1-1 0 0,1 0 1 0 0,0 1-1 0 0,-1-1 1 0 0,1 0-1 0 0,0 1 1 0 0,0-1 0 0 0,0 1-1 0 0,0-1 1 0 0,-1 1-1 0 0,3-1 1 0 0,32-12 160 0 0,-26 10-105 0 0,17-4 5 0 0,41-7 0 0 0,-30 8-37 0 0,320-45 216 0 0,2 21 94 0 0,-296 25-253 0 0,267 1 200 0 0,-2 25 142 0 0,-152-8-371 0 0,-80-4-96 0 0,62 2 0 0 0,-138-9 0 0 0,-14-2 0 0 0,-1 1 0 0 0,0-1 0 0 0,1 0 0 0 0,-1 0 0 0 0,1-1 0 0 0,5-1 0 0 0,-10 2 0 0 0,-1 0 0 0 0,0 0 0 0 0,0 0 0 0 0,0 0 0 0 0,0 0 0 0 0,0 0 0 0 0,0 0 0 0 0,0 0 0 0 0,0 0 0 0 0,0 0 0 0 0,0 0 0 0 0,0 0 0 0 0,1 0 0 0 0,-1 0 0 0 0,0 0 0 0 0,0 0 0 0 0,0 0 0 0 0,0 0 0 0 0,0 0 0 0 0,0 0 0 0 0,0 0 0 0 0,0-1 0 0 0,0 1 0 0 0,0 0 0 0 0,0 0 0 0 0,0 0 0 0 0,0 0 0 0 0,0 0 0 0 0,0 0 0 0 0,0 0 0 0 0,0 0 0 0 0,0 0 0 0 0,0 0 0 0 0,0 0 0 0 0,0-1 0 0 0,0 1 0 0 0,0 0 0 0 0,0 0 0 0 0,0 0 0 0 0,0 0 0 0 0,0 0 0 0 0,0 0 0 0 0,0 0 0 0 0,0 0 0 0 0,0 0 0 0 0,0 0 0 0 0,0 0 0 0 0,0 0 0 0 0,0-1 0 0 0,0 1 0 0 0,0 0 0 0 0,-5-5 0 0 0,-6-5 0 0 0,7 8-20 0 0,-1-1 1 0 0,1 1-1 0 0,0 0 1 0 0,-1 0-1 0 0,1 1 1 0 0,-1-1-1 0 0,1 1 1 0 0,-9-1-1 0 0,-40-2-350 0 0,5 1 53 0 0,-11-5-3092 0 0,33 5-5737 0 0,15 1 797 0 0</inkml:trace>
+</inkml:ink>
+</file>
+
+<file path=ppt/ink/ink7.xml><?xml version="1.0" encoding="utf-8"?>
+<inkml:ink xmlns:inkml="http://www.w3.org/2003/InkML">
+  <inkml:definitions>
+    <inkml:context xml:id="ctx0">
+      <inkml:inkSource xml:id="inkSrc0">
+        <inkml:traceFormat>
+          <inkml:channel name="X" type="integer" min="-2.14748E9" max="2.14748E9" units="cm"/>
+          <inkml:channel name="Y" type="integer" min="-2.14748E9" max="2.14748E9" units="cm"/>
+          <inkml:channel name="F" type="integer" max="32767" units="dev"/>
+          <inkml:channel name="OA" type="integer" max="360" units="deg"/>
+          <inkml:channel name="OE" type="integer" max="90" units="deg"/>
+        </inkml:traceFormat>
+        <inkml:channelProperties>
+          <inkml:channelProperty channel="X" name="resolution" value="1000" units="1/cm"/>
+          <inkml:channelProperty channel="Y" name="resolution" value="1000" units="1/cm"/>
+          <inkml:channelProperty channel="F" name="resolution" value="0" units="1/dev"/>
+          <inkml:channelProperty channel="OA" name="resolution" value="1000" units="1/deg"/>
+          <inkml:channelProperty channel="OE" name="resolution" value="1000" units="1/deg"/>
+        </inkml:channelProperties>
+      </inkml:inkSource>
+      <inkml:timestamp xml:id="ts0" timeString="2021-07-27T16:31:10.304"/>
+    </inkml:context>
+    <inkml:brush xml:id="br0">
+      <inkml:brushProperty name="width" value="0.05" units="cm"/>
+      <inkml:brushProperty name="height" value="0.05" units="cm"/>
+      <inkml:brushProperty name="color" value="#FF0066"/>
+    </inkml:brush>
+  </inkml:definitions>
+  <inkml:trace contextRef="#ctx0" brushRef="#br0">53 131 10136 0 0,'0'0'769'0'0,"-14"-12"-482"0"0,4 1 356 0 0,9 10-461 0 0,-1 0 0 0 0,1 0-1 0 0,0 0 1 0 0,0 0-1 0 0,0-1 1 0 0,0 1-1 0 0,0 0 1 0 0,0 0 0 0 0,0-1-1 0 0,1 1 1 0 0,-1-1-1 0 0,0 1 1 0 0,1-1-1 0 0,-1 1 1 0 0,1-1 0 0 0,-1-2 1971 0 0,0 4-2030 0 0,1-1 0 0 0,-1 1 0 0 0,1 0-1 0 0,-1 0 1 0 0,1 0 0 0 0,0-1 0 0 0,-1 1 0 0 0,-8-8 7829 0 0,20 5-7709 0 0,0 0 0 0 0,0 1 0 0 0,1 1 0 0 0,-1 0 0 0 0,23 1 0 0 0,22-2-68 0 0,-5-2-84 0 0,0 3 0 0 0,60 6 0 0 0,13 0 262 0 0,349-23 286 0 0,-93 0 209 0 0,72 4 648 0 0,-332 7-1285 0 0,74-2 751 0 0,-28 15-1106 0 0,-149-4 129 0 0,0 1-1 0 0,-1 1 0 0 0,1 0 1 0 0,24 10-1 0 0,-35-11-176 0 0,-4-3 175 0 0,-1 1 1 0 0,0-1 0 0 0,1 1-1 0 0,-1-1 1 0 0,1 1 0 0 0,-1 0 0 0 0,0 0-1 0 0,0 0 1 0 0,0 0 0 0 0,1 0-1 0 0,-1 0 1 0 0,0 0 0 0 0,0 0-1 0 0,0 0 1 0 0,0 0 0 0 0,-1 0 0 0 0,1 1-1 0 0,0-1 1 0 0,0 0 0 0 0,-1 1-1 0 0,1-1 1 0 0,-1 1 0 0 0,1-1-1 0 0,-1 1 1 0 0,0-1 0 0 0,1 1-1 0 0,-1-1 1 0 0,0 1 0 0 0,0-1 0 0 0,0 1-1 0 0,0-1 1 0 0,0 1 0 0 0,-1-1-1 0 0,1 2 1 0 0,-15 47-7902 0 0</inkml:trace>
+</inkml:ink>
+</file>
+
+<file path=ppt/ink/ink8.xml><?xml version="1.0" encoding="utf-8"?>
+<inkml:ink xmlns:inkml="http://www.w3.org/2003/InkML">
+  <inkml:definitions>
+    <inkml:context xml:id="ctx0">
+      <inkml:inkSource xml:id="inkSrc0">
+        <inkml:traceFormat>
+          <inkml:channel name="X" type="integer" min="-2.14748E9" max="2.14748E9" units="cm"/>
+          <inkml:channel name="Y" type="integer" min="-2.14748E9" max="2.14748E9" units="cm"/>
+          <inkml:channel name="F" type="integer" max="32767" units="dev"/>
+          <inkml:channel name="OA" type="integer" max="360" units="deg"/>
+          <inkml:channel name="OE" type="integer" max="90" units="deg"/>
+        </inkml:traceFormat>
+        <inkml:channelProperties>
+          <inkml:channelProperty channel="X" name="resolution" value="1000" units="1/cm"/>
+          <inkml:channelProperty channel="Y" name="resolution" value="1000" units="1/cm"/>
+          <inkml:channelProperty channel="F" name="resolution" value="0" units="1/dev"/>
+          <inkml:channelProperty channel="OA" name="resolution" value="1000" units="1/deg"/>
+          <inkml:channelProperty channel="OE" name="resolution" value="1000" units="1/deg"/>
+        </inkml:channelProperties>
+      </inkml:inkSource>
+      <inkml:timestamp xml:id="ts0" timeString="2021-07-27T16:31:16.399"/>
+    </inkml:context>
+    <inkml:brush xml:id="br0">
+      <inkml:brushProperty name="width" value="0.05" units="cm"/>
+      <inkml:brushProperty name="height" value="0.05" units="cm"/>
+      <inkml:brushProperty name="color" value="#FF0066"/>
+    </inkml:brush>
+  </inkml:definitions>
+  <inkml:trace contextRef="#ctx0" brushRef="#br0">8 27 1840 0 0,'-8'-15'21989'0'0,"11"3"-23296"0"0</inkml:trace>
+</inkml:ink>
+</file>
+
+<file path=ppt/ink/ink9.xml><?xml version="1.0" encoding="utf-8"?>
+<inkml:ink xmlns:inkml="http://www.w3.org/2003/InkML">
+  <inkml:definitions>
+    <inkml:context xml:id="ctx0">
+      <inkml:inkSource xml:id="inkSrc0">
+        <inkml:traceFormat>
+          <inkml:channel name="X" type="integer" min="-2.14748E9" max="2.14748E9" units="cm"/>
+          <inkml:channel name="Y" type="integer" min="-2.14748E9" max="2.14748E9" units="cm"/>
+          <inkml:channel name="F" type="integer" max="32767" units="dev"/>
+          <inkml:channel name="OA" type="integer" max="360" units="deg"/>
+          <inkml:channel name="OE" type="integer" max="90" units="deg"/>
+        </inkml:traceFormat>
+        <inkml:channelProperties>
+          <inkml:channelProperty channel="X" name="resolution" value="1000" units="1/cm"/>
+          <inkml:channelProperty channel="Y" name="resolution" value="1000" units="1/cm"/>
+          <inkml:channelProperty channel="F" name="resolution" value="0" units="1/dev"/>
+          <inkml:channelProperty channel="OA" name="resolution" value="1000" units="1/deg"/>
+          <inkml:channelProperty channel="OE" name="resolution" value="1000" units="1/deg"/>
+        </inkml:channelProperties>
+      </inkml:inkSource>
+      <inkml:timestamp xml:id="ts0" timeString="2021-07-27T16:31:17.961"/>
+    </inkml:context>
+    <inkml:brush xml:id="br0">
+      <inkml:brushProperty name="width" value="0.05" units="cm"/>
+      <inkml:brushProperty name="height" value="0.05" units="cm"/>
+      <inkml:brushProperty name="color" value="#FF0066"/>
+    </inkml:brush>
+  </inkml:definitions>
+  <inkml:trace contextRef="#ctx0" brushRef="#br0">68 284 17503 0 0,'-6'-3'1831'0'0,"5"3"-1683"0"0,0-1 1 0 0,0 1-1 0 0,1 0 0 0 0,-1-1 0 0 0,0 1 0 0 0,0-1 1 0 0,1 1-1 0 0,-1-1 0 0 0,0 0 0 0 0,1 1 1 0 0,-1-1-1 0 0,1 1 0 0 0,-1-1 0 0 0,1 0 1 0 0,-1 0-1 0 0,1 1 0 0 0,0-1 0 0 0,-1 0 1 0 0,1 0-1 0 0,0 1 0 0 0,-1-1 0 0 0,1 0 1 0 0,0 0-1 0 0,0 0 0 0 0,0 0 0 0 0,0-1 0 0 0,5-17 2285 0 0,-5 18-2379 0 0,2-3 181 0 0,2-6 180 0 0,0 1 1 0 0,0 0 0 0 0,1 0 0 0 0,6-8-1 0 0,13-15 342 0 0,-11 12-383 0 0,2 2 0 0 0,20-22 0 0 0,-29 34-324 0 0,-1 1-1 0 0,1-1 1 0 0,5-10 0 0 0,-10 15 22 0 0,-2 3-58 0 0,0 0 1 0 0,0-1-1 0 0,0 1 0 0 0,0-1 1 0 0,0 0-1 0 0,0 1 1 0 0,0-1-1 0 0,-1 0 1 0 0,1 1-1 0 0,0-1 1 0 0,-1 0-1 0 0,-2 1 0 0 0,-1 3 27 0 0,-45 37 63 0 0,24-22 2 0 0,-43 47 0 0 0,61-57-12 0 0,7-7-43 0 0,-1-1 1 0 0,1 0 0 0 0,0 0-1 0 0,-1 0 1 0 0,1 0-1 0 0,-1-1 1 0 0,0 1 0 0 0,0 0-1 0 0,0 0 1 0 0,0-1-1 0 0,-3 3 1 0 0,18-26 35 0 0,-4 11-73 0 0,0 1 0 0 0,0 0 0 0 0,1 0 0 0 0,0 1 0 0 0,14-9 0 0 0,21-19 15 0 0,-22 14 9 0 0,57-52 263 0 0,-80 75-300 0 0,0 0 0 0 0,0 0 0 0 0,0 0 0 0 0,0 0 0 0 0,0-1 0 0 0,0 1 0 0 0,0 0 0 0 0,1 0 0 0 0,-1 0 0 0 0,0 0 0 0 0,0 0 0 0 0,0 0 0 0 0,0 0 0 0 0,0 0 0 0 0,0 0 0 0 0,0 0 0 0 0,0 0 0 0 0,0-1 1 0 0,0 1-1 0 0,0 0 0 0 0,0 0 0 0 0,0 0 0 0 0,0 0 0 0 0,0 0 0 0 0,0 0 0 0 0,1 0 0 0 0,-1 0 0 0 0,0 0 0 0 0,0 0 0 0 0,0 0 0 0 0,0 0 0 0 0,0 0 0 0 0,0 0 0 0 0,0 0 0 0 0,0 0 0 0 0,0 0 0 0 0,0 0 0 0 0,1 0 0 0 0,-1 0 0 0 0,0 0 1 0 0,0 0-1 0 0,0 0 0 0 0,0 0 0 0 0,0 0 0 0 0,0 0 0 0 0,0 0 0 0 0,0 0 0 0 0,0 0 0 0 0,1 0 0 0 0,-1 0 0 0 0,0 0 0 0 0,0 0 0 0 0,0 0 0 0 0,0 0 0 0 0,0 0 0 0 0,0 1 0 0 0,0-1 0 0 0,0 0 0 0 0,0 0 0 0 0,0 0 0 0 0,0 0 0 0 0,0 0 1 0 0,0 0-1 0 0,0 0 0 0 0,0 0 0 0 0,-3 9 16 0 0,-9 11 27 0 0,-49 52-33 0 0,45-56-1 0 0,1 1 1 0 0,1 0 0 0 0,1 1 0 0 0,-22 37-1 0 0,20-21 1 0 0,15-34-11 0 0,0 1 0 0 0,0-1 0 0 0,0 0 0 0 0,0 0 0 0 0,0 0 0 0 0,0 1 0 0 0,0-1 0 0 0,0 0 0 0 0,0 0 0 0 0,0 0 0 0 0,0 1 0 0 0,0-1 0 0 0,0 0 0 0 0,0 0 0 0 0,0 1 0 0 0,0-1 0 0 0,1 0 0 0 0,-1 0 0 0 0,0 0 0 0 0,0 1 0 0 0,0-1 0 0 0,0 0 0 0 0,0 0 0 0 0,0 0 0 0 0,1 0 0 0 0,-1 1 0 0 0,0-1 0 0 0,0 0 0 0 0,0 0 0 0 0,0 0 0 0 0,1 0 0 0 0,-1 0 0 0 0,0 0 0 0 0,0 0 0 0 0,0 1 0 0 0,1-1 0 0 0,-1 0 0 0 0,0 0 0 0 0,0 0 0 0 0,0 0 0 0 0,1 0 0 0 0,-1 0 0 0 0,0 0 0 0 0,0 0 0 0 0,1 0 0 0 0,-1 0 0 0 0,0 0 0 0 0,0 0 0 0 0,0 0 0 0 0,1 0 0 0 0,-1 0 0 0 0,0-1 0 0 0,0 1 0 0 0,0 0 0 0 0,1 0 0 0 0,-1 0 0 0 0,0 0 0 0 0,0 0 0 0 0,0 0 0 0 0,1-1 0 0 0,-1 1 0 0 0,0 0 0 0 0,7-3 0 0 0,-1 0 0 0 0,0-1 0 0 0,0 1 0 0 0,0-1 0 0 0,-1-1 0 0 0,1 1 0 0 0,4-6 0 0 0,11-8 0 0 0,100-68 117 0 0,-87 60-13 0 0,-101 75 144 0 0,46-28-245 0 0,0 1 0 0 0,2 1-1 0 0,-26 41 1 0 0,44-63-3 0 0,-2 3-100 0 0,0 0 0 0 0,0 0 0 0 0,1 0 0 0 0,0 1 1 0 0,-1-1-1 0 0,1 1 0 0 0,1-1 0 0 0,-3 11 0 0 0,4-14 203 0 0,1-2-77 0 0,1 1 0 0 0,-1 0 0 0 0,1-1 0 0 0,-1 1 0 0 0,0-1 0 0 0,1 1 0 0 0,-1-1 0 0 0,1 0 0 0 0,-1 0 0 0 0,0 1 0 0 0,0-1 1 0 0,2-2-1 0 0,16-15 363 0 0,-12 10-321 0 0,23-17-68 0 0,56-39 0 0 0,-64 49 0 0 0,-6 4 0 0 0,25-11 0 0 0,-36 20 0 0 0,-5 2 0 0 0,0 0 0 0 0,0 0 0 0 0,0 0 0 0 0,0 0 0 0 0,0-1 0 0 0,0 1 0 0 0,1 0 0 0 0,-1 0 0 0 0,0 0 0 0 0,0 0 0 0 0,0 0 0 0 0,0 0 0 0 0,0 0 0 0 0,0 0 0 0 0,1 0 0 0 0,-1 0 0 0 0,0 0 0 0 0,0 0 0 0 0,0 0 0 0 0,0 0 0 0 0,0 0 0 0 0,0 0 0 0 0,1 0 0 0 0,-1 0 0 0 0,0 0 0 0 0,0 0 0 0 0,0 0 0 0 0,0 1 0 0 0,0-1 0 0 0,0 0 0 0 0,0 0 0 0 0,1 0 0 0 0,-1 0 0 0 0,0 0 0 0 0,0 0 0 0 0,0 0 0 0 0,0 0 0 0 0,0 0 0 0 0,0 0 0 0 0,0 1 0 0 0,1 5 0 0 0,-4 7 0 0 0,-1 0 0 0 0,-1 0 0 0 0,-1-1 0 0 0,0 1 0 0 0,0-1 0 0 0,-1 0 0 0 0,-1-1 0 0 0,-14 18 0 0 0,-30 33 0 0 0,49-61 0 0 0,4-5 0 0 0,2-5 0 0 0,65-84 0 0 0,-5 8 0 0 0,-50 63 0 0 0,-11 15 0 0 0,-7 7 0 0 0,-6 4 0 0 0,10-4 0 0 0,-24 14 0 0 0,1 2 0 0 0,-46 35 0 0 0,30-19 0 0 0,-67 57 0 0 0,61-49 0 0 0,42-38 0 0 0,5-8 0 0 0,6-7 0 0 0,-1 6 0 0 0,0 0 0 0 0,0 0 0 0 0,0 1 0 0 0,9-6 0 0 0,5-6 0 0 0,24-25 0 0 0,48-47 0 0 0,-88 86 0 0 0,4-4 0 0 0,-2 0 0 0 0,1 0 0 0 0,5-9 0 0 0,-12 17 0 0 0,1-1 0 0 0,-1 1 0 0 0,0 0 0 0 0,0 0 0 0 0,0 0 0 0 0,0 0 0 0 0,0 0 0 0 0,1 0 0 0 0,-1-1 0 0 0,0 1 0 0 0,0 0 0 0 0,0 0 0 0 0,0 0 0 0 0,0 0 0 0 0,0-1 0 0 0,0 1 0 0 0,0 0 0 0 0,0 0 0 0 0,0 0 0 0 0,0 0 0 0 0,0-1 0 0 0,0 1 0 0 0,0 0 0 0 0,0 0 0 0 0,0 0 0 0 0,0 0 0 0 0,0-1 0 0 0,0 1 0 0 0,0 0 0 0 0,0 0 0 0 0,0 0 0 0 0,0-1 0 0 0,0 1 0 0 0,0 0 0 0 0,0 0 0 0 0,0 0 0 0 0,-1 0 0 0 0,1 0 0 0 0,0-1 0 0 0,0 1 0 0 0,0 0 0 0 0,0 0 0 0 0,0 0 0 0 0,0 0 0 0 0,-1 0 0 0 0,1 0 0 0 0,0 0 0 0 0,0-1 0 0 0,0 1 0 0 0,0 0 0 0 0,-1 0 0 0 0,1 0 0 0 0,0 0 0 0 0,0 0 0 0 0,0 0 0 0 0,-1 0 0 0 0,-5 1 0 0 0,-5 0 0 0 0,0 2 0 0 0,0-1 0 0 0,0 2 0 0 0,0-1 0 0 0,0 1 0 0 0,-10 6 0 0 0,-4 3 0 0 0,-28 21 0 0 0,37-22 0 0 0,11-8 0 0 0,-1 0 0 0 0,1 0 0 0 0,-1 0 0 0 0,-7 3 0 0 0,12-7 0 0 0,1 0 0 0 0,0 0 0 0 0,0 1 0 0 0,-1-1 0 0 0,1 0 0 0 0,0 0 0 0 0,0 0 0 0 0,-1 0 0 0 0,1 0 0 0 0,0 0 0 0 0,-1 0 0 0 0,1 0 0 0 0,0 0 0 0 0,0 0 0 0 0,-1 1 0 0 0,1-1 0 0 0,0-1 0 0 0,-1 1 0 0 0,1 0 0 0 0,0 0 0 0 0,-1 0 0 0 0,1 0 0 0 0,0 0 0 0 0,0 0 0 0 0,-1 0 0 0 0,1 0 0 0 0,0 0 0 0 0,0-1 0 0 0,-1 1 0 0 0,1 0 0 0 0,0 0 0 0 0,0 0 0 0 0,-1 0 0 0 0,1-1 0 0 0,0 1 0 0 0,0 0 0 0 0,-1-1 0 0 0,3-12 0 0 0,9-12 0 0 0,22-22 0 0 0,55-60 0 0 0,-59 74 0 0 0,-29 33-177 0 0,-5 13-3396 0 0,0 6-3319 0 0</inkml:trace>
+</inkml:ink>
 </file>
 
 <file path=ppt/notesMasters/notesMaster1.xml><?xml version="1.0" encoding="utf-8"?>
@@ -841,7 +1257,7 @@
           <a:p>
             <a:fld id="{3A2BF66F-FEB0-48C1-A8B9-A73F54BB1A08}" type="datetimeFigureOut">
               <a:rPr lang="en-US" smtClean="0"/>
-              <a:t>7/26/2021</a:t>
+              <a:t>7/27/2021</a:t>
             </a:fld>
             <a:endParaRPr lang="en-US" dirty="0"/>
           </a:p>
@@ -1049,7 +1465,7 @@
           <a:p>
             <a:fld id="{3A2BF66F-FEB0-48C1-A8B9-A73F54BB1A08}" type="datetimeFigureOut">
               <a:rPr lang="en-US" smtClean="0"/>
-              <a:t>7/26/2021</a:t>
+              <a:t>7/27/2021</a:t>
             </a:fld>
             <a:endParaRPr lang="en-US" dirty="0"/>
           </a:p>
@@ -1267,7 +1683,7 @@
           <a:p>
             <a:fld id="{3A2BF66F-FEB0-48C1-A8B9-A73F54BB1A08}" type="datetimeFigureOut">
               <a:rPr lang="en-US" smtClean="0"/>
-              <a:t>7/26/2021</a:t>
+              <a:t>7/27/2021</a:t>
             </a:fld>
             <a:endParaRPr lang="en-US" dirty="0"/>
           </a:p>
@@ -1475,7 +1891,7 @@
           <a:p>
             <a:fld id="{3A2BF66F-FEB0-48C1-A8B9-A73F54BB1A08}" type="datetimeFigureOut">
               <a:rPr lang="en-US" smtClean="0"/>
-              <a:t>7/26/2021</a:t>
+              <a:t>7/27/2021</a:t>
             </a:fld>
             <a:endParaRPr lang="en-US" dirty="0"/>
           </a:p>
@@ -1760,7 +2176,7 @@
           <a:p>
             <a:fld id="{3A2BF66F-FEB0-48C1-A8B9-A73F54BB1A08}" type="datetimeFigureOut">
               <a:rPr lang="en-US" smtClean="0"/>
-              <a:t>7/26/2021</a:t>
+              <a:t>7/27/2021</a:t>
             </a:fld>
             <a:endParaRPr lang="en-US" dirty="0"/>
           </a:p>
@@ -2035,7 +2451,7 @@
           <a:p>
             <a:fld id="{3A2BF66F-FEB0-48C1-A8B9-A73F54BB1A08}" type="datetimeFigureOut">
               <a:rPr lang="en-US" smtClean="0"/>
-              <a:t>7/26/2021</a:t>
+              <a:t>7/27/2021</a:t>
             </a:fld>
             <a:endParaRPr lang="en-US" dirty="0"/>
           </a:p>
@@ -2457,7 +2873,7 @@
           <a:p>
             <a:fld id="{3A2BF66F-FEB0-48C1-A8B9-A73F54BB1A08}" type="datetimeFigureOut">
               <a:rPr lang="en-US" smtClean="0"/>
-              <a:t>7/26/2021</a:t>
+              <a:t>7/27/2021</a:t>
             </a:fld>
             <a:endParaRPr lang="en-US" dirty="0"/>
           </a:p>
@@ -2608,7 +3024,7 @@
           <a:p>
             <a:fld id="{3A2BF66F-FEB0-48C1-A8B9-A73F54BB1A08}" type="datetimeFigureOut">
               <a:rPr lang="en-US" smtClean="0"/>
-              <a:t>7/26/2021</a:t>
+              <a:t>7/27/2021</a:t>
             </a:fld>
             <a:endParaRPr lang="en-US" dirty="0"/>
           </a:p>
@@ -2731,7 +3147,7 @@
           <a:p>
             <a:fld id="{3A2BF66F-FEB0-48C1-A8B9-A73F54BB1A08}" type="datetimeFigureOut">
               <a:rPr lang="en-US" smtClean="0"/>
-              <a:t>7/26/2021</a:t>
+              <a:t>7/27/2021</a:t>
             </a:fld>
             <a:endParaRPr lang="en-US" dirty="0"/>
           </a:p>
@@ -3051,7 +3467,7 @@
           <a:p>
             <a:fld id="{3A2BF66F-FEB0-48C1-A8B9-A73F54BB1A08}" type="datetimeFigureOut">
               <a:rPr lang="en-US" smtClean="0"/>
-              <a:t>7/26/2021</a:t>
+              <a:t>7/27/2021</a:t>
             </a:fld>
             <a:endParaRPr lang="en-US" dirty="0"/>
           </a:p>
@@ -3349,7 +3765,7 @@
           <a:p>
             <a:fld id="{3A2BF66F-FEB0-48C1-A8B9-A73F54BB1A08}" type="datetimeFigureOut">
               <a:rPr lang="en-US" smtClean="0"/>
-              <a:t>7/26/2021</a:t>
+              <a:t>7/27/2021</a:t>
             </a:fld>
             <a:endParaRPr lang="en-US" dirty="0"/>
           </a:p>
@@ -3600,7 +4016,7 @@
           <a:p>
             <a:fld id="{3A2BF66F-FEB0-48C1-A8B9-A73F54BB1A08}" type="datetimeFigureOut">
               <a:rPr lang="en-US" smtClean="0"/>
-              <a:t>7/26/2021</a:t>
+              <a:t>7/27/2021</a:t>
             </a:fld>
             <a:endParaRPr lang="en-US" dirty="0"/>
           </a:p>
@@ -4466,6 +4882,690 @@
           </a:p>
         </p:txBody>
       </p:sp>
+      <mc:AlternateContent xmlns:mc="http://schemas.openxmlformats.org/markup-compatibility/2006">
+        <mc:Choice xmlns:p14="http://schemas.microsoft.com/office/powerpoint/2010/main" Requires="p14">
+          <p:contentPart p14:bwMode="auto" r:id="rId2">
+            <p14:nvContentPartPr>
+              <p14:cNvPr id="4" name="Ink 3">
+                <a:extLst>
+                  <a:ext uri="{FF2B5EF4-FFF2-40B4-BE49-F238E27FC236}">
+                    <a16:creationId xmlns:a16="http://schemas.microsoft.com/office/drawing/2014/main" id="{C63DEDC8-C851-477C-996B-68EF67988C28}"/>
+                  </a:ext>
+                </a:extLst>
+              </p14:cNvPr>
+              <p14:cNvContentPartPr/>
+              <p14:nvPr/>
+            </p14:nvContentPartPr>
+            <p14:xfrm>
+              <a:off x="2950129" y="1739419"/>
+              <a:ext cx="1029600" cy="59760"/>
+            </p14:xfrm>
+          </p:contentPart>
+        </mc:Choice>
+        <mc:Fallback>
+          <p:pic>
+            <p:nvPicPr>
+              <p:cNvPr id="4" name="Ink 3">
+                <a:extLst>
+                  <a:ext uri="{FF2B5EF4-FFF2-40B4-BE49-F238E27FC236}">
+                    <a16:creationId xmlns:a16="http://schemas.microsoft.com/office/drawing/2014/main" id="{C63DEDC8-C851-477C-996B-68EF67988C28}"/>
+                  </a:ext>
+                </a:extLst>
+              </p:cNvPr>
+              <p:cNvPicPr/>
+              <p:nvPr/>
+            </p:nvPicPr>
+            <p:blipFill>
+              <a:blip r:embed="rId3"/>
+              <a:stretch>
+                <a:fillRect/>
+              </a:stretch>
+            </p:blipFill>
+            <p:spPr>
+              <a:xfrm>
+                <a:off x="2941489" y="1730779"/>
+                <a:ext cx="1047240" cy="77400"/>
+              </a:xfrm>
+              <a:prstGeom prst="rect">
+                <a:avLst/>
+              </a:prstGeom>
+            </p:spPr>
+          </p:pic>
+        </mc:Fallback>
+      </mc:AlternateContent>
+      <mc:AlternateContent xmlns:mc="http://schemas.openxmlformats.org/markup-compatibility/2006">
+        <mc:Choice xmlns:p14="http://schemas.microsoft.com/office/powerpoint/2010/main" Requires="p14">
+          <p:contentPart p14:bwMode="auto" r:id="rId4">
+            <p14:nvContentPartPr>
+              <p14:cNvPr id="5" name="Ink 4">
+                <a:extLst>
+                  <a:ext uri="{FF2B5EF4-FFF2-40B4-BE49-F238E27FC236}">
+                    <a16:creationId xmlns:a16="http://schemas.microsoft.com/office/drawing/2014/main" id="{9AF776C6-2F04-421D-8A61-EE51112E91D3}"/>
+                  </a:ext>
+                </a:extLst>
+              </p14:cNvPr>
+              <p14:cNvContentPartPr/>
+              <p14:nvPr/>
+            </p14:nvContentPartPr>
+            <p14:xfrm>
+              <a:off x="1787329" y="2158459"/>
+              <a:ext cx="993240" cy="47880"/>
+            </p14:xfrm>
+          </p:contentPart>
+        </mc:Choice>
+        <mc:Fallback>
+          <p:pic>
+            <p:nvPicPr>
+              <p:cNvPr id="5" name="Ink 4">
+                <a:extLst>
+                  <a:ext uri="{FF2B5EF4-FFF2-40B4-BE49-F238E27FC236}">
+                    <a16:creationId xmlns:a16="http://schemas.microsoft.com/office/drawing/2014/main" id="{9AF776C6-2F04-421D-8A61-EE51112E91D3}"/>
+                  </a:ext>
+                </a:extLst>
+              </p:cNvPr>
+              <p:cNvPicPr/>
+              <p:nvPr/>
+            </p:nvPicPr>
+            <p:blipFill>
+              <a:blip r:embed="rId5"/>
+              <a:stretch>
+                <a:fillRect/>
+              </a:stretch>
+            </p:blipFill>
+            <p:spPr>
+              <a:xfrm>
+                <a:off x="1778329" y="2149819"/>
+                <a:ext cx="1010880" cy="65520"/>
+              </a:xfrm>
+              <a:prstGeom prst="rect">
+                <a:avLst/>
+              </a:prstGeom>
+            </p:spPr>
+          </p:pic>
+        </mc:Fallback>
+      </mc:AlternateContent>
+      <mc:AlternateContent xmlns:mc="http://schemas.openxmlformats.org/markup-compatibility/2006">
+        <mc:Choice xmlns:p14="http://schemas.microsoft.com/office/powerpoint/2010/main" Requires="p14">
+          <p:contentPart p14:bwMode="auto" r:id="rId6">
+            <p14:nvContentPartPr>
+              <p14:cNvPr id="6" name="Ink 5">
+                <a:extLst>
+                  <a:ext uri="{FF2B5EF4-FFF2-40B4-BE49-F238E27FC236}">
+                    <a16:creationId xmlns:a16="http://schemas.microsoft.com/office/drawing/2014/main" id="{C49033BE-7926-4B2C-8B76-DDF698DF710A}"/>
+                  </a:ext>
+                </a:extLst>
+              </p14:cNvPr>
+              <p14:cNvContentPartPr/>
+              <p14:nvPr/>
+            </p14:nvContentPartPr>
+            <p14:xfrm>
+              <a:off x="819649" y="2272219"/>
+              <a:ext cx="307440" cy="214560"/>
+            </p14:xfrm>
+          </p:contentPart>
+        </mc:Choice>
+        <mc:Fallback>
+          <p:pic>
+            <p:nvPicPr>
+              <p:cNvPr id="6" name="Ink 5">
+                <a:extLst>
+                  <a:ext uri="{FF2B5EF4-FFF2-40B4-BE49-F238E27FC236}">
+                    <a16:creationId xmlns:a16="http://schemas.microsoft.com/office/drawing/2014/main" id="{C49033BE-7926-4B2C-8B76-DDF698DF710A}"/>
+                  </a:ext>
+                </a:extLst>
+              </p:cNvPr>
+              <p:cNvPicPr/>
+              <p:nvPr/>
+            </p:nvPicPr>
+            <p:blipFill>
+              <a:blip r:embed="rId7"/>
+              <a:stretch>
+                <a:fillRect/>
+              </a:stretch>
+            </p:blipFill>
+            <p:spPr>
+              <a:xfrm>
+                <a:off x="811009" y="2263579"/>
+                <a:ext cx="325080" cy="232200"/>
+              </a:xfrm>
+              <a:prstGeom prst="rect">
+                <a:avLst/>
+              </a:prstGeom>
+            </p:spPr>
+          </p:pic>
+        </mc:Fallback>
+      </mc:AlternateContent>
+      <mc:AlternateContent xmlns:mc="http://schemas.openxmlformats.org/markup-compatibility/2006">
+        <mc:Choice xmlns:p14="http://schemas.microsoft.com/office/powerpoint/2010/main" Requires="p14">
+          <p:contentPart p14:bwMode="auto" r:id="rId8">
+            <p14:nvContentPartPr>
+              <p14:cNvPr id="7" name="Ink 6">
+                <a:extLst>
+                  <a:ext uri="{FF2B5EF4-FFF2-40B4-BE49-F238E27FC236}">
+                    <a16:creationId xmlns:a16="http://schemas.microsoft.com/office/drawing/2014/main" id="{6EF9A2B6-C5C7-426F-B6EE-47ED810A8E7E}"/>
+                  </a:ext>
+                </a:extLst>
+              </p14:cNvPr>
+              <p14:cNvContentPartPr/>
+              <p14:nvPr/>
+            </p14:nvContentPartPr>
+            <p14:xfrm>
+              <a:off x="850609" y="2881699"/>
+              <a:ext cx="481320" cy="32400"/>
+            </p14:xfrm>
+          </p:contentPart>
+        </mc:Choice>
+        <mc:Fallback>
+          <p:pic>
+            <p:nvPicPr>
+              <p:cNvPr id="7" name="Ink 6">
+                <a:extLst>
+                  <a:ext uri="{FF2B5EF4-FFF2-40B4-BE49-F238E27FC236}">
+                    <a16:creationId xmlns:a16="http://schemas.microsoft.com/office/drawing/2014/main" id="{6EF9A2B6-C5C7-426F-B6EE-47ED810A8E7E}"/>
+                  </a:ext>
+                </a:extLst>
+              </p:cNvPr>
+              <p:cNvPicPr/>
+              <p:nvPr/>
+            </p:nvPicPr>
+            <p:blipFill>
+              <a:blip r:embed="rId9"/>
+              <a:stretch>
+                <a:fillRect/>
+              </a:stretch>
+            </p:blipFill>
+            <p:spPr>
+              <a:xfrm>
+                <a:off x="841609" y="2873059"/>
+                <a:ext cx="498960" cy="50040"/>
+              </a:xfrm>
+              <a:prstGeom prst="rect">
+                <a:avLst/>
+              </a:prstGeom>
+            </p:spPr>
+          </p:pic>
+        </mc:Fallback>
+      </mc:AlternateContent>
+      <mc:AlternateContent xmlns:mc="http://schemas.openxmlformats.org/markup-compatibility/2006">
+        <mc:Choice xmlns:p14="http://schemas.microsoft.com/office/powerpoint/2010/main" Requires="p14">
+          <p:contentPart p14:bwMode="auto" r:id="rId10">
+            <p14:nvContentPartPr>
+              <p14:cNvPr id="8" name="Ink 7">
+                <a:extLst>
+                  <a:ext uri="{FF2B5EF4-FFF2-40B4-BE49-F238E27FC236}">
+                    <a16:creationId xmlns:a16="http://schemas.microsoft.com/office/drawing/2014/main" id="{7026AD92-6DC4-49BD-8643-03FF2467E82D}"/>
+                  </a:ext>
+                </a:extLst>
+              </p14:cNvPr>
+              <p14:cNvContentPartPr/>
+              <p14:nvPr/>
+            </p14:nvContentPartPr>
+            <p14:xfrm>
+              <a:off x="841609" y="3310819"/>
+              <a:ext cx="1466640" cy="65520"/>
+            </p14:xfrm>
+          </p:contentPart>
+        </mc:Choice>
+        <mc:Fallback>
+          <p:pic>
+            <p:nvPicPr>
+              <p:cNvPr id="8" name="Ink 7">
+                <a:extLst>
+                  <a:ext uri="{FF2B5EF4-FFF2-40B4-BE49-F238E27FC236}">
+                    <a16:creationId xmlns:a16="http://schemas.microsoft.com/office/drawing/2014/main" id="{7026AD92-6DC4-49BD-8643-03FF2467E82D}"/>
+                  </a:ext>
+                </a:extLst>
+              </p:cNvPr>
+              <p:cNvPicPr/>
+              <p:nvPr/>
+            </p:nvPicPr>
+            <p:blipFill>
+              <a:blip r:embed="rId11"/>
+              <a:stretch>
+                <a:fillRect/>
+              </a:stretch>
+            </p:blipFill>
+            <p:spPr>
+              <a:xfrm>
+                <a:off x="832609" y="3301819"/>
+                <a:ext cx="1484280" cy="83160"/>
+              </a:xfrm>
+              <a:prstGeom prst="rect">
+                <a:avLst/>
+              </a:prstGeom>
+            </p:spPr>
+          </p:pic>
+        </mc:Fallback>
+      </mc:AlternateContent>
+      <mc:AlternateContent xmlns:mc="http://schemas.openxmlformats.org/markup-compatibility/2006">
+        <mc:Choice xmlns:p14="http://schemas.microsoft.com/office/powerpoint/2010/main" Requires="p14">
+          <p:contentPart p14:bwMode="auto" r:id="rId12">
+            <p14:nvContentPartPr>
+              <p14:cNvPr id="9" name="Ink 8">
+                <a:extLst>
+                  <a:ext uri="{FF2B5EF4-FFF2-40B4-BE49-F238E27FC236}">
+                    <a16:creationId xmlns:a16="http://schemas.microsoft.com/office/drawing/2014/main" id="{92D2ABC8-E6AA-4BC7-9243-F6762D3ACC6F}"/>
+                  </a:ext>
+                </a:extLst>
+              </p14:cNvPr>
+              <p14:cNvContentPartPr/>
+              <p14:nvPr/>
+            </p14:nvContentPartPr>
+            <p14:xfrm>
+              <a:off x="4416049" y="3275899"/>
+              <a:ext cx="764640" cy="66240"/>
+            </p14:xfrm>
+          </p:contentPart>
+        </mc:Choice>
+        <mc:Fallback>
+          <p:pic>
+            <p:nvPicPr>
+              <p:cNvPr id="9" name="Ink 8">
+                <a:extLst>
+                  <a:ext uri="{FF2B5EF4-FFF2-40B4-BE49-F238E27FC236}">
+                    <a16:creationId xmlns:a16="http://schemas.microsoft.com/office/drawing/2014/main" id="{92D2ABC8-E6AA-4BC7-9243-F6762D3ACC6F}"/>
+                  </a:ext>
+                </a:extLst>
+              </p:cNvPr>
+              <p:cNvPicPr/>
+              <p:nvPr/>
+            </p:nvPicPr>
+            <p:blipFill>
+              <a:blip r:embed="rId13"/>
+              <a:stretch>
+                <a:fillRect/>
+              </a:stretch>
+            </p:blipFill>
+            <p:spPr>
+              <a:xfrm>
+                <a:off x="4407409" y="3267259"/>
+                <a:ext cx="782280" cy="83880"/>
+              </a:xfrm>
+              <a:prstGeom prst="rect">
+                <a:avLst/>
+              </a:prstGeom>
+            </p:spPr>
+          </p:pic>
+        </mc:Fallback>
+      </mc:AlternateContent>
+      <mc:AlternateContent xmlns:mc="http://schemas.openxmlformats.org/markup-compatibility/2006">
+        <mc:Choice xmlns:p14="http://schemas.microsoft.com/office/powerpoint/2010/main" Requires="p14">
+          <p:contentPart p14:bwMode="auto" r:id="rId14">
+            <p14:nvContentPartPr>
+              <p14:cNvPr id="10" name="Ink 9">
+                <a:extLst>
+                  <a:ext uri="{FF2B5EF4-FFF2-40B4-BE49-F238E27FC236}">
+                    <a16:creationId xmlns:a16="http://schemas.microsoft.com/office/drawing/2014/main" id="{71BB2542-20E3-46CB-8C03-50B0ABDD8074}"/>
+                  </a:ext>
+                </a:extLst>
+              </p14:cNvPr>
+              <p14:cNvContentPartPr/>
+              <p14:nvPr/>
+            </p14:nvContentPartPr>
+            <p14:xfrm>
+              <a:off x="1550449" y="3685219"/>
+              <a:ext cx="867240" cy="47160"/>
+            </p14:xfrm>
+          </p:contentPart>
+        </mc:Choice>
+        <mc:Fallback>
+          <p:pic>
+            <p:nvPicPr>
+              <p:cNvPr id="10" name="Ink 9">
+                <a:extLst>
+                  <a:ext uri="{FF2B5EF4-FFF2-40B4-BE49-F238E27FC236}">
+                    <a16:creationId xmlns:a16="http://schemas.microsoft.com/office/drawing/2014/main" id="{71BB2542-20E3-46CB-8C03-50B0ABDD8074}"/>
+                  </a:ext>
+                </a:extLst>
+              </p:cNvPr>
+              <p:cNvPicPr/>
+              <p:nvPr/>
+            </p:nvPicPr>
+            <p:blipFill>
+              <a:blip r:embed="rId15"/>
+              <a:stretch>
+                <a:fillRect/>
+              </a:stretch>
+            </p:blipFill>
+            <p:spPr>
+              <a:xfrm>
+                <a:off x="1541809" y="3676219"/>
+                <a:ext cx="884880" cy="64800"/>
+              </a:xfrm>
+              <a:prstGeom prst="rect">
+                <a:avLst/>
+              </a:prstGeom>
+            </p:spPr>
+          </p:pic>
+        </mc:Fallback>
+      </mc:AlternateContent>
+      <mc:AlternateContent xmlns:mc="http://schemas.openxmlformats.org/markup-compatibility/2006">
+        <mc:Choice xmlns:p14="http://schemas.microsoft.com/office/powerpoint/2010/main" Requires="p14">
+          <p:contentPart p14:bwMode="auto" r:id="rId16">
+            <p14:nvContentPartPr>
+              <p14:cNvPr id="11" name="Ink 10">
+                <a:extLst>
+                  <a:ext uri="{FF2B5EF4-FFF2-40B4-BE49-F238E27FC236}">
+                    <a16:creationId xmlns:a16="http://schemas.microsoft.com/office/drawing/2014/main" id="{E408AD3B-F2B9-4EA3-8E0A-62A02B9882F1}"/>
+                  </a:ext>
+                </a:extLst>
+              </p14:cNvPr>
+              <p14:cNvContentPartPr/>
+              <p14:nvPr/>
+            </p14:nvContentPartPr>
+            <p14:xfrm>
+              <a:off x="863929" y="4058539"/>
+              <a:ext cx="3240" cy="10080"/>
+            </p14:xfrm>
+          </p:contentPart>
+        </mc:Choice>
+        <mc:Fallback>
+          <p:pic>
+            <p:nvPicPr>
+              <p:cNvPr id="11" name="Ink 10">
+                <a:extLst>
+                  <a:ext uri="{FF2B5EF4-FFF2-40B4-BE49-F238E27FC236}">
+                    <a16:creationId xmlns:a16="http://schemas.microsoft.com/office/drawing/2014/main" id="{E408AD3B-F2B9-4EA3-8E0A-62A02B9882F1}"/>
+                  </a:ext>
+                </a:extLst>
+              </p:cNvPr>
+              <p:cNvPicPr/>
+              <p:nvPr/>
+            </p:nvPicPr>
+            <p:blipFill>
+              <a:blip r:embed="rId17"/>
+              <a:stretch>
+                <a:fillRect/>
+              </a:stretch>
+            </p:blipFill>
+            <p:spPr>
+              <a:xfrm>
+                <a:off x="854929" y="4049539"/>
+                <a:ext cx="20880" cy="27720"/>
+              </a:xfrm>
+              <a:prstGeom prst="rect">
+                <a:avLst/>
+              </a:prstGeom>
+            </p:spPr>
+          </p:pic>
+        </mc:Fallback>
+      </mc:AlternateContent>
+      <mc:AlternateContent xmlns:mc="http://schemas.openxmlformats.org/markup-compatibility/2006">
+        <mc:Choice xmlns:p14="http://schemas.microsoft.com/office/powerpoint/2010/main" Requires="p14">
+          <p:contentPart p14:bwMode="auto" r:id="rId18">
+            <p14:nvContentPartPr>
+              <p14:cNvPr id="12" name="Ink 11">
+                <a:extLst>
+                  <a:ext uri="{FF2B5EF4-FFF2-40B4-BE49-F238E27FC236}">
+                    <a16:creationId xmlns:a16="http://schemas.microsoft.com/office/drawing/2014/main" id="{D2FF9E85-669C-45BB-B3EA-043932EEC75E}"/>
+                  </a:ext>
+                </a:extLst>
+              </p14:cNvPr>
+              <p14:cNvContentPartPr/>
+              <p14:nvPr/>
+            </p14:nvContentPartPr>
+            <p14:xfrm>
+              <a:off x="2089729" y="3853699"/>
+              <a:ext cx="133560" cy="136800"/>
+            </p14:xfrm>
+          </p:contentPart>
+        </mc:Choice>
+        <mc:Fallback>
+          <p:pic>
+            <p:nvPicPr>
+              <p:cNvPr id="12" name="Ink 11">
+                <a:extLst>
+                  <a:ext uri="{FF2B5EF4-FFF2-40B4-BE49-F238E27FC236}">
+                    <a16:creationId xmlns:a16="http://schemas.microsoft.com/office/drawing/2014/main" id="{D2FF9E85-669C-45BB-B3EA-043932EEC75E}"/>
+                  </a:ext>
+                </a:extLst>
+              </p:cNvPr>
+              <p:cNvPicPr/>
+              <p:nvPr/>
+            </p:nvPicPr>
+            <p:blipFill>
+              <a:blip r:embed="rId19"/>
+              <a:stretch>
+                <a:fillRect/>
+              </a:stretch>
+            </p:blipFill>
+            <p:spPr>
+              <a:xfrm>
+                <a:off x="2081089" y="3845059"/>
+                <a:ext cx="151200" cy="154440"/>
+              </a:xfrm>
+              <a:prstGeom prst="rect">
+                <a:avLst/>
+              </a:prstGeom>
+            </p:spPr>
+          </p:pic>
+        </mc:Fallback>
+      </mc:AlternateContent>
+      <mc:AlternateContent xmlns:mc="http://schemas.openxmlformats.org/markup-compatibility/2006">
+        <mc:Choice xmlns:p14="http://schemas.microsoft.com/office/powerpoint/2010/main" Requires="p14">
+          <p:contentPart p14:bwMode="auto" r:id="rId20">
+            <p14:nvContentPartPr>
+              <p14:cNvPr id="13" name="Ink 12">
+                <a:extLst>
+                  <a:ext uri="{FF2B5EF4-FFF2-40B4-BE49-F238E27FC236}">
+                    <a16:creationId xmlns:a16="http://schemas.microsoft.com/office/drawing/2014/main" id="{24C330AF-38D3-4F46-8D6E-0B722D895DF5}"/>
+                  </a:ext>
+                </a:extLst>
+              </p14:cNvPr>
+              <p14:cNvContentPartPr/>
+              <p14:nvPr/>
+            </p14:nvContentPartPr>
+            <p14:xfrm>
+              <a:off x="714529" y="4212259"/>
+              <a:ext cx="369720" cy="157320"/>
+            </p14:xfrm>
+          </p:contentPart>
+        </mc:Choice>
+        <mc:Fallback>
+          <p:pic>
+            <p:nvPicPr>
+              <p:cNvPr id="13" name="Ink 12">
+                <a:extLst>
+                  <a:ext uri="{FF2B5EF4-FFF2-40B4-BE49-F238E27FC236}">
+                    <a16:creationId xmlns:a16="http://schemas.microsoft.com/office/drawing/2014/main" id="{24C330AF-38D3-4F46-8D6E-0B722D895DF5}"/>
+                  </a:ext>
+                </a:extLst>
+              </p:cNvPr>
+              <p:cNvPicPr/>
+              <p:nvPr/>
+            </p:nvPicPr>
+            <p:blipFill>
+              <a:blip r:embed="rId21"/>
+              <a:stretch>
+                <a:fillRect/>
+              </a:stretch>
+            </p:blipFill>
+            <p:spPr>
+              <a:xfrm>
+                <a:off x="705529" y="4203259"/>
+                <a:ext cx="387360" cy="174960"/>
+              </a:xfrm>
+              <a:prstGeom prst="rect">
+                <a:avLst/>
+              </a:prstGeom>
+            </p:spPr>
+          </p:pic>
+        </mc:Fallback>
+      </mc:AlternateContent>
+      <mc:AlternateContent xmlns:mc="http://schemas.openxmlformats.org/markup-compatibility/2006">
+        <mc:Choice xmlns:p14="http://schemas.microsoft.com/office/powerpoint/2010/main" Requires="p14">
+          <p:contentPart p14:bwMode="auto" r:id="rId22">
+            <p14:nvContentPartPr>
+              <p14:cNvPr id="14" name="Ink 13">
+                <a:extLst>
+                  <a:ext uri="{FF2B5EF4-FFF2-40B4-BE49-F238E27FC236}">
+                    <a16:creationId xmlns:a16="http://schemas.microsoft.com/office/drawing/2014/main" id="{4FC32E56-F172-466F-904D-717E58A03B23}"/>
+                  </a:ext>
+                </a:extLst>
+              </p14:cNvPr>
+              <p14:cNvContentPartPr/>
+              <p14:nvPr/>
+            </p14:nvContentPartPr>
+            <p14:xfrm>
+              <a:off x="3427489" y="3887899"/>
+              <a:ext cx="96120" cy="262800"/>
+            </p14:xfrm>
+          </p:contentPart>
+        </mc:Choice>
+        <mc:Fallback>
+          <p:pic>
+            <p:nvPicPr>
+              <p:cNvPr id="14" name="Ink 13">
+                <a:extLst>
+                  <a:ext uri="{FF2B5EF4-FFF2-40B4-BE49-F238E27FC236}">
+                    <a16:creationId xmlns:a16="http://schemas.microsoft.com/office/drawing/2014/main" id="{4FC32E56-F172-466F-904D-717E58A03B23}"/>
+                  </a:ext>
+                </a:extLst>
+              </p:cNvPr>
+              <p:cNvPicPr/>
+              <p:nvPr/>
+            </p:nvPicPr>
+            <p:blipFill>
+              <a:blip r:embed="rId23"/>
+              <a:stretch>
+                <a:fillRect/>
+              </a:stretch>
+            </p:blipFill>
+            <p:spPr>
+              <a:xfrm>
+                <a:off x="3418489" y="3878899"/>
+                <a:ext cx="113760" cy="280440"/>
+              </a:xfrm>
+              <a:prstGeom prst="rect">
+                <a:avLst/>
+              </a:prstGeom>
+            </p:spPr>
+          </p:pic>
+        </mc:Fallback>
+      </mc:AlternateContent>
+      <p:grpSp>
+        <p:nvGrpSpPr>
+          <p:cNvPr id="17" name="Group 16">
+            <a:extLst>
+              <a:ext uri="{FF2B5EF4-FFF2-40B4-BE49-F238E27FC236}">
+                <a16:creationId xmlns:a16="http://schemas.microsoft.com/office/drawing/2014/main" id="{DD28DC57-A173-4FBD-AE39-FE20DB5A0724}"/>
+              </a:ext>
+            </a:extLst>
+          </p:cNvPr>
+          <p:cNvGrpSpPr/>
+          <p:nvPr/>
+        </p:nvGrpSpPr>
+        <p:grpSpPr>
+          <a:xfrm>
+            <a:off x="3088009" y="4715539"/>
+            <a:ext cx="128160" cy="276480"/>
+            <a:chOff x="3088009" y="4715539"/>
+            <a:chExt cx="128160" cy="276480"/>
+          </a:xfrm>
+        </p:grpSpPr>
+        <mc:AlternateContent xmlns:mc="http://schemas.openxmlformats.org/markup-compatibility/2006">
+          <mc:Choice xmlns:p14="http://schemas.microsoft.com/office/powerpoint/2010/main" Requires="p14">
+            <p:contentPart p14:bwMode="auto" r:id="rId24">
+              <p14:nvContentPartPr>
+                <p14:cNvPr id="15" name="Ink 14">
+                  <a:extLst>
+                    <a:ext uri="{FF2B5EF4-FFF2-40B4-BE49-F238E27FC236}">
+                      <a16:creationId xmlns:a16="http://schemas.microsoft.com/office/drawing/2014/main" id="{BD9CCFB2-367F-4B47-9B39-BBE6A37EC3DA}"/>
+                    </a:ext>
+                  </a:extLst>
+                </p14:cNvPr>
+                <p14:cNvContentPartPr/>
+                <p14:nvPr/>
+              </p14:nvContentPartPr>
+              <p14:xfrm>
+                <a:off x="3132649" y="4738219"/>
+                <a:ext cx="20520" cy="253800"/>
+              </p14:xfrm>
+            </p:contentPart>
+          </mc:Choice>
+          <mc:Fallback>
+            <p:pic>
+              <p:nvPicPr>
+                <p:cNvPr id="15" name="Ink 14">
+                  <a:extLst>
+                    <a:ext uri="{FF2B5EF4-FFF2-40B4-BE49-F238E27FC236}">
+                      <a16:creationId xmlns:a16="http://schemas.microsoft.com/office/drawing/2014/main" id="{BD9CCFB2-367F-4B47-9B39-BBE6A37EC3DA}"/>
+                    </a:ext>
+                  </a:extLst>
+                </p:cNvPr>
+                <p:cNvPicPr/>
+                <p:nvPr/>
+              </p:nvPicPr>
+              <p:blipFill>
+                <a:blip r:embed="rId25"/>
+                <a:stretch>
+                  <a:fillRect/>
+                </a:stretch>
+              </p:blipFill>
+              <p:spPr>
+                <a:xfrm>
+                  <a:off x="3124009" y="4729579"/>
+                  <a:ext cx="38160" cy="271440"/>
+                </a:xfrm>
+                <a:prstGeom prst="rect">
+                  <a:avLst/>
+                </a:prstGeom>
+              </p:spPr>
+            </p:pic>
+          </mc:Fallback>
+        </mc:AlternateContent>
+        <mc:AlternateContent xmlns:mc="http://schemas.openxmlformats.org/markup-compatibility/2006">
+          <mc:Choice xmlns:p14="http://schemas.microsoft.com/office/powerpoint/2010/main" Requires="p14">
+            <p:contentPart p14:bwMode="auto" r:id="rId26">
+              <p14:nvContentPartPr>
+                <p14:cNvPr id="16" name="Ink 15">
+                  <a:extLst>
+                    <a:ext uri="{FF2B5EF4-FFF2-40B4-BE49-F238E27FC236}">
+                      <a16:creationId xmlns:a16="http://schemas.microsoft.com/office/drawing/2014/main" id="{E81DD0AA-600E-4420-A3DD-F677B6E12D56}"/>
+                    </a:ext>
+                  </a:extLst>
+                </p14:cNvPr>
+                <p14:cNvContentPartPr/>
+                <p14:nvPr/>
+              </p14:nvContentPartPr>
+              <p14:xfrm>
+                <a:off x="3088009" y="4715539"/>
+                <a:ext cx="128160" cy="94320"/>
+              </p14:xfrm>
+            </p:contentPart>
+          </mc:Choice>
+          <mc:Fallback>
+            <p:pic>
+              <p:nvPicPr>
+                <p:cNvPr id="16" name="Ink 15">
+                  <a:extLst>
+                    <a:ext uri="{FF2B5EF4-FFF2-40B4-BE49-F238E27FC236}">
+                      <a16:creationId xmlns:a16="http://schemas.microsoft.com/office/drawing/2014/main" id="{E81DD0AA-600E-4420-A3DD-F677B6E12D56}"/>
+                    </a:ext>
+                  </a:extLst>
+                </p:cNvPr>
+                <p:cNvPicPr/>
+                <p:nvPr/>
+              </p:nvPicPr>
+              <p:blipFill>
+                <a:blip r:embed="rId27"/>
+                <a:stretch>
+                  <a:fillRect/>
+                </a:stretch>
+              </p:blipFill>
+              <p:spPr>
+                <a:xfrm>
+                  <a:off x="3079369" y="4706539"/>
+                  <a:ext cx="145800" cy="111960"/>
+                </a:xfrm>
+                <a:prstGeom prst="rect">
+                  <a:avLst/>
+                </a:prstGeom>
+              </p:spPr>
+            </p:pic>
+          </mc:Fallback>
+        </mc:AlternateContent>
+      </p:grpSp>
     </p:spTree>
     <p:extLst>
       <p:ext uri="{BB962C8B-B14F-4D97-AF65-F5344CB8AC3E}">
